--- a/Prezentacija.pptx
+++ b/Prezentacija.pptx
@@ -6,27 +6,29 @@
   </p:sldMasterIdLst>
   <p:sldIdLst>
     <p:sldId id="256" r:id="rId2"/>
-    <p:sldId id="257" r:id="rId3"/>
-    <p:sldId id="259" r:id="rId4"/>
-    <p:sldId id="263" r:id="rId5"/>
-    <p:sldId id="260" r:id="rId6"/>
-    <p:sldId id="261" r:id="rId7"/>
-    <p:sldId id="262" r:id="rId8"/>
-    <p:sldId id="264" r:id="rId9"/>
-    <p:sldId id="265" r:id="rId10"/>
-    <p:sldId id="266" r:id="rId11"/>
-    <p:sldId id="267" r:id="rId12"/>
-    <p:sldId id="287" r:id="rId13"/>
-    <p:sldId id="291" r:id="rId14"/>
-    <p:sldId id="279" r:id="rId15"/>
-    <p:sldId id="288" r:id="rId16"/>
-    <p:sldId id="290" r:id="rId17"/>
-    <p:sldId id="292" r:id="rId18"/>
-    <p:sldId id="293" r:id="rId19"/>
-    <p:sldId id="296" r:id="rId20"/>
-    <p:sldId id="294" r:id="rId21"/>
-    <p:sldId id="297" r:id="rId22"/>
-    <p:sldId id="295" r:id="rId23"/>
+    <p:sldId id="298" r:id="rId3"/>
+    <p:sldId id="257" r:id="rId4"/>
+    <p:sldId id="259" r:id="rId5"/>
+    <p:sldId id="263" r:id="rId6"/>
+    <p:sldId id="262" r:id="rId7"/>
+    <p:sldId id="265" r:id="rId8"/>
+    <p:sldId id="266" r:id="rId9"/>
+    <p:sldId id="267" r:id="rId10"/>
+    <p:sldId id="287" r:id="rId11"/>
+    <p:sldId id="291" r:id="rId12"/>
+    <p:sldId id="301" r:id="rId13"/>
+    <p:sldId id="300" r:id="rId14"/>
+    <p:sldId id="304" r:id="rId15"/>
+    <p:sldId id="279" r:id="rId16"/>
+    <p:sldId id="288" r:id="rId17"/>
+    <p:sldId id="290" r:id="rId18"/>
+    <p:sldId id="302" r:id="rId19"/>
+    <p:sldId id="303" r:id="rId20"/>
+    <p:sldId id="292" r:id="rId21"/>
+    <p:sldId id="293" r:id="rId22"/>
+    <p:sldId id="296" r:id="rId23"/>
+    <p:sldId id="294" r:id="rId24"/>
+    <p:sldId id="295" r:id="rId25"/>
   </p:sldIdLst>
   <p:sldSz cx="12192000" cy="6858000"/>
   <p:notesSz cx="6858000" cy="9144000"/>
@@ -480,7 +482,7 @@
           <a:p>
             <a:fld id="{B6521D91-1D52-41C0-AAAB-E64DC194DF7B}" type="datetimeFigureOut">
               <a:rPr lang="en-US" smtClean="0"/>
-              <a:t>12/3/2020</a:t>
+              <a:t>12/22/2020</a:t>
             </a:fld>
             <a:endParaRPr lang="en-US"/>
           </a:p>
@@ -1568,7 +1570,7 @@
           <a:p>
             <a:fld id="{B6521D91-1D52-41C0-AAAB-E64DC194DF7B}" type="datetimeFigureOut">
               <a:rPr lang="en-US" smtClean="0"/>
-              <a:t>12/3/2020</a:t>
+              <a:t>12/22/2020</a:t>
             </a:fld>
             <a:endParaRPr lang="en-US"/>
           </a:p>
@@ -2548,7 +2550,7 @@
           <a:p>
             <a:fld id="{B6521D91-1D52-41C0-AAAB-E64DC194DF7B}" type="datetimeFigureOut">
               <a:rPr lang="en-US" smtClean="0"/>
-              <a:t>12/3/2020</a:t>
+              <a:t>12/22/2020</a:t>
             </a:fld>
             <a:endParaRPr lang="en-US"/>
           </a:p>
@@ -3682,7 +3684,7 @@
           <a:p>
             <a:fld id="{B6521D91-1D52-41C0-AAAB-E64DC194DF7B}" type="datetimeFigureOut">
               <a:rPr lang="en-US" smtClean="0"/>
-              <a:t>12/3/2020</a:t>
+              <a:t>12/22/2020</a:t>
             </a:fld>
             <a:endParaRPr lang="en-US"/>
           </a:p>
@@ -4715,7 +4717,7 @@
           <a:p>
             <a:fld id="{B6521D91-1D52-41C0-AAAB-E64DC194DF7B}" type="datetimeFigureOut">
               <a:rPr lang="en-US" smtClean="0"/>
-              <a:t>12/3/2020</a:t>
+              <a:t>12/22/2020</a:t>
             </a:fld>
             <a:endParaRPr lang="en-US"/>
           </a:p>
@@ -5375,7 +5377,7 @@
           <a:p>
             <a:fld id="{B6521D91-1D52-41C0-AAAB-E64DC194DF7B}" type="datetimeFigureOut">
               <a:rPr lang="en-US" smtClean="0"/>
-              <a:t>12/3/2020</a:t>
+              <a:t>12/22/2020</a:t>
             </a:fld>
             <a:endParaRPr lang="en-US"/>
           </a:p>
@@ -6236,7 +6238,7 @@
           <a:p>
             <a:fld id="{B6521D91-1D52-41C0-AAAB-E64DC194DF7B}" type="datetimeFigureOut">
               <a:rPr lang="en-US" smtClean="0"/>
-              <a:t>12/3/2020</a:t>
+              <a:t>12/22/2020</a:t>
             </a:fld>
             <a:endParaRPr lang="en-US"/>
           </a:p>
@@ -6426,7 +6428,7 @@
           <a:p>
             <a:fld id="{B6521D91-1D52-41C0-AAAB-E64DC194DF7B}" type="datetimeFigureOut">
               <a:rPr lang="en-US" smtClean="0"/>
-              <a:t>12/3/2020</a:t>
+              <a:t>12/22/2020</a:t>
             </a:fld>
             <a:endParaRPr lang="en-US"/>
           </a:p>
@@ -7398,7 +7400,7 @@
           <a:p>
             <a:fld id="{B6521D91-1D52-41C0-AAAB-E64DC194DF7B}" type="datetimeFigureOut">
               <a:rPr lang="en-US" smtClean="0"/>
-              <a:t>12/3/2020</a:t>
+              <a:t>12/22/2020</a:t>
             </a:fld>
             <a:endParaRPr lang="en-US"/>
           </a:p>
@@ -7609,7 +7611,7 @@
           <a:p>
             <a:fld id="{B6521D91-1D52-41C0-AAAB-E64DC194DF7B}" type="datetimeFigureOut">
               <a:rPr lang="en-US" smtClean="0"/>
-              <a:t>12/3/2020</a:t>
+              <a:t>12/22/2020</a:t>
             </a:fld>
             <a:endParaRPr lang="en-US"/>
           </a:p>
@@ -8643,7 +8645,7 @@
           <a:p>
             <a:fld id="{B6521D91-1D52-41C0-AAAB-E64DC194DF7B}" type="datetimeFigureOut">
               <a:rPr lang="en-US" smtClean="0"/>
-              <a:t>12/3/2020</a:t>
+              <a:t>12/22/2020</a:t>
             </a:fld>
             <a:endParaRPr lang="en-US"/>
           </a:p>
@@ -8915,7 +8917,7 @@
           <a:p>
             <a:fld id="{B6521D91-1D52-41C0-AAAB-E64DC194DF7B}" type="datetimeFigureOut">
               <a:rPr lang="en-US" smtClean="0"/>
-              <a:t>12/3/2020</a:t>
+              <a:t>12/22/2020</a:t>
             </a:fld>
             <a:endParaRPr lang="en-US"/>
           </a:p>
@@ -9325,7 +9327,7 @@
           <a:p>
             <a:fld id="{B6521D91-1D52-41C0-AAAB-E64DC194DF7B}" type="datetimeFigureOut">
               <a:rPr lang="en-US" smtClean="0"/>
-              <a:t>12/3/2020</a:t>
+              <a:t>12/22/2020</a:t>
             </a:fld>
             <a:endParaRPr lang="en-US"/>
           </a:p>
@@ -9452,7 +9454,7 @@
           <a:p>
             <a:fld id="{B6521D91-1D52-41C0-AAAB-E64DC194DF7B}" type="datetimeFigureOut">
               <a:rPr lang="en-US" smtClean="0"/>
-              <a:t>12/3/2020</a:t>
+              <a:t>12/22/2020</a:t>
             </a:fld>
             <a:endParaRPr lang="en-US"/>
           </a:p>
@@ -9547,7 +9549,7 @@
           <a:p>
             <a:fld id="{B6521D91-1D52-41C0-AAAB-E64DC194DF7B}" type="datetimeFigureOut">
               <a:rPr lang="en-US" smtClean="0"/>
-              <a:t>12/3/2020</a:t>
+              <a:t>12/22/2020</a:t>
             </a:fld>
             <a:endParaRPr lang="en-US"/>
           </a:p>
@@ -10628,7 +10630,7 @@
           <a:p>
             <a:fld id="{B6521D91-1D52-41C0-AAAB-E64DC194DF7B}" type="datetimeFigureOut">
               <a:rPr lang="en-US" smtClean="0"/>
-              <a:t>12/3/2020</a:t>
+              <a:t>12/22/2020</a:t>
             </a:fld>
             <a:endParaRPr lang="en-US"/>
           </a:p>
@@ -11736,7 +11738,7 @@
           <a:p>
             <a:fld id="{B6521D91-1D52-41C0-AAAB-E64DC194DF7B}" type="datetimeFigureOut">
               <a:rPr lang="en-US" smtClean="0"/>
-              <a:t>12/3/2020</a:t>
+              <a:t>12/22/2020</a:t>
             </a:fld>
             <a:endParaRPr lang="en-US"/>
           </a:p>
@@ -12733,7 +12735,7 @@
           <a:p>
             <a:fld id="{B6521D91-1D52-41C0-AAAB-E64DC194DF7B}" type="datetimeFigureOut">
               <a:rPr lang="en-US" smtClean="0"/>
-              <a:t>12/3/2020</a:t>
+              <a:t>12/22/2020</a:t>
             </a:fld>
             <a:endParaRPr lang="en-US"/>
           </a:p>
@@ -13472,199 +13474,6 @@
           <p:cNvPr id="2" name="Title 1">
             <a:extLst>
               <a:ext uri="{FF2B5EF4-FFF2-40B4-BE49-F238E27FC236}">
-                <a16:creationId xmlns:a16="http://schemas.microsoft.com/office/drawing/2014/main" id="{FC4B7835-A88A-47FD-BB50-583C7C6D2616}"/>
-              </a:ext>
-            </a:extLst>
-          </p:cNvPr>
-          <p:cNvSpPr>
-            <a:spLocks noGrp="1"/>
-          </p:cNvSpPr>
-          <p:nvPr>
-            <p:ph type="title"/>
-          </p:nvPr>
-        </p:nvSpPr>
-        <p:spPr/>
-        <p:txBody>
-          <a:bodyPr/>
-          <a:lstStyle/>
-          <a:p>
-            <a:pPr algn="ctr"/>
-            <a:r>
-              <a:rPr lang="sr-Latn-RS" dirty="0"/>
-              <a:t>Panel sa serverima</a:t>
-            </a:r>
-            <a:endParaRPr lang="en-US" dirty="0"/>
-          </a:p>
-        </p:txBody>
-      </p:sp>
-      <p:pic>
-        <p:nvPicPr>
-          <p:cNvPr id="5" name="Picture 4">
-            <a:extLst>
-              <a:ext uri="{FF2B5EF4-FFF2-40B4-BE49-F238E27FC236}">
-                <a16:creationId xmlns:a16="http://schemas.microsoft.com/office/drawing/2014/main" id="{FF444E14-7DC1-4A25-AC2F-E26F0519F3AA}"/>
-              </a:ext>
-            </a:extLst>
-          </p:cNvPr>
-          <p:cNvPicPr>
-            <a:picLocks noChangeAspect="1"/>
-          </p:cNvPicPr>
-          <p:nvPr/>
-        </p:nvPicPr>
-        <p:blipFill rotWithShape="1">
-          <a:blip r:embed="rId2">
-            <a:extLst>
-              <a:ext uri="{28A0092B-C50C-407E-A947-70E740481C1C}">
-                <a14:useLocalDpi xmlns:a14="http://schemas.microsoft.com/office/drawing/2010/main" val="0"/>
-              </a:ext>
-            </a:extLst>
-          </a:blip>
-          <a:srcRect l="21521" t="13375" r="22704" b="8348"/>
-          <a:stretch/>
-        </p:blipFill>
-        <p:spPr>
-          <a:xfrm>
-            <a:off x="3951112" y="2291644"/>
-            <a:ext cx="4255910" cy="4481689"/>
-          </a:xfrm>
-          <a:prstGeom prst="rect">
-            <a:avLst/>
-          </a:prstGeom>
-        </p:spPr>
-      </p:pic>
-    </p:spTree>
-    <p:extLst>
-      <p:ext uri="{BB962C8B-B14F-4D97-AF65-F5344CB8AC3E}">
-        <p14:creationId xmlns:p14="http://schemas.microsoft.com/office/powerpoint/2010/main" val="2364928192"/>
-      </p:ext>
-    </p:extLst>
-  </p:cSld>
-  <p:clrMapOvr>
-    <a:masterClrMapping/>
-  </p:clrMapOvr>
-</p:sld>
-</file>
-
-<file path=ppt/slides/slide11.xml><?xml version="1.0" encoding="utf-8"?>
-<p:sld xmlns:a="http://schemas.openxmlformats.org/drawingml/2006/main" xmlns:r="http://schemas.openxmlformats.org/officeDocument/2006/relationships" xmlns:p="http://schemas.openxmlformats.org/presentationml/2006/main">
-  <p:cSld>
-    <p:spTree>
-      <p:nvGrpSpPr>
-        <p:cNvPr id="1" name=""/>
-        <p:cNvGrpSpPr/>
-        <p:nvPr/>
-      </p:nvGrpSpPr>
-      <p:grpSpPr>
-        <a:xfrm>
-          <a:off x="0" y="0"/>
-          <a:ext cx="0" cy="0"/>
-          <a:chOff x="0" y="0"/>
-          <a:chExt cx="0" cy="0"/>
-        </a:xfrm>
-      </p:grpSpPr>
-      <p:sp>
-        <p:nvSpPr>
-          <p:cNvPr id="2" name="Title 1">
-            <a:extLst>
-              <a:ext uri="{FF2B5EF4-FFF2-40B4-BE49-F238E27FC236}">
-                <a16:creationId xmlns:a16="http://schemas.microsoft.com/office/drawing/2014/main" id="{A2AD2450-31B8-416F-92EF-B5E7436B889C}"/>
-              </a:ext>
-            </a:extLst>
-          </p:cNvPr>
-          <p:cNvSpPr>
-            <a:spLocks noGrp="1"/>
-          </p:cNvSpPr>
-          <p:nvPr>
-            <p:ph type="title"/>
-          </p:nvPr>
-        </p:nvSpPr>
-        <p:spPr/>
-        <p:txBody>
-          <a:bodyPr/>
-          <a:lstStyle/>
-          <a:p>
-            <a:r>
-              <a:rPr lang="sr-Latn-RS" dirty="0"/>
-              <a:t>Izrada</a:t>
-            </a:r>
-            <a:br>
-              <a:rPr lang="sr-Latn-RS" dirty="0"/>
-            </a:br>
-            <a:r>
-              <a:rPr lang="sr-Latn-RS" dirty="0"/>
-              <a:t>multiplejer</a:t>
-            </a:r>
-            <a:br>
-              <a:rPr lang="sr-Latn-RS" dirty="0"/>
-            </a:br>
-            <a:r>
-              <a:rPr lang="sr-Latn-RS" dirty="0"/>
-              <a:t>scene</a:t>
-            </a:r>
-            <a:endParaRPr lang="en-US" dirty="0"/>
-          </a:p>
-        </p:txBody>
-      </p:sp>
-      <p:sp>
-        <p:nvSpPr>
-          <p:cNvPr id="3" name="Text Placeholder 2">
-            <a:extLst>
-              <a:ext uri="{FF2B5EF4-FFF2-40B4-BE49-F238E27FC236}">
-                <a16:creationId xmlns:a16="http://schemas.microsoft.com/office/drawing/2014/main" id="{9C3FD7E5-5E24-4489-82FB-73E66CD73A2F}"/>
-              </a:ext>
-            </a:extLst>
-          </p:cNvPr>
-          <p:cNvSpPr>
-            <a:spLocks noGrp="1"/>
-          </p:cNvSpPr>
-          <p:nvPr>
-            <p:ph type="body" idx="1"/>
-          </p:nvPr>
-        </p:nvSpPr>
-        <p:spPr/>
-        <p:txBody>
-          <a:bodyPr/>
-          <a:lstStyle/>
-          <a:p>
-            <a:endParaRPr lang="en-US"/>
-          </a:p>
-        </p:txBody>
-      </p:sp>
-    </p:spTree>
-    <p:extLst>
-      <p:ext uri="{BB962C8B-B14F-4D97-AF65-F5344CB8AC3E}">
-        <p14:creationId xmlns:p14="http://schemas.microsoft.com/office/powerpoint/2010/main" val="214985328"/>
-      </p:ext>
-    </p:extLst>
-  </p:cSld>
-  <p:clrMapOvr>
-    <a:masterClrMapping/>
-  </p:clrMapOvr>
-</p:sld>
-</file>
-
-<file path=ppt/slides/slide12.xml><?xml version="1.0" encoding="utf-8"?>
-<p:sld xmlns:a="http://schemas.openxmlformats.org/drawingml/2006/main" xmlns:r="http://schemas.openxmlformats.org/officeDocument/2006/relationships" xmlns:p="http://schemas.openxmlformats.org/presentationml/2006/main">
-  <p:cSld>
-    <p:spTree>
-      <p:nvGrpSpPr>
-        <p:cNvPr id="1" name=""/>
-        <p:cNvGrpSpPr/>
-        <p:nvPr/>
-      </p:nvGrpSpPr>
-      <p:grpSpPr>
-        <a:xfrm>
-          <a:off x="0" y="0"/>
-          <a:ext cx="0" cy="0"/>
-          <a:chOff x="0" y="0"/>
-          <a:chExt cx="0" cy="0"/>
-        </a:xfrm>
-      </p:grpSpPr>
-      <p:sp>
-        <p:nvSpPr>
-          <p:cNvPr id="2" name="Title 1">
-            <a:extLst>
-              <a:ext uri="{FF2B5EF4-FFF2-40B4-BE49-F238E27FC236}">
                 <a16:creationId xmlns:a16="http://schemas.microsoft.com/office/drawing/2014/main" id="{16C2A016-A1EF-4E00-B0BF-054AC4BE08A1}"/>
               </a:ext>
             </a:extLst>
@@ -13738,7 +13547,7 @@
 </p:sld>
 </file>
 
-<file path=ppt/slides/slide13.xml><?xml version="1.0" encoding="utf-8"?>
+<file path=ppt/slides/slide11.xml><?xml version="1.0" encoding="utf-8"?>
 <p:sld xmlns:a="http://schemas.openxmlformats.org/drawingml/2006/main" xmlns:r="http://schemas.openxmlformats.org/officeDocument/2006/relationships" xmlns:p="http://schemas.openxmlformats.org/presentationml/2006/main">
   <p:cSld>
     <p:spTree>
@@ -14134,7 +13943,328 @@
 </p:sld>
 </file>
 
+<file path=ppt/slides/slide12.xml><?xml version="1.0" encoding="utf-8"?>
+<p:sld xmlns:a="http://schemas.openxmlformats.org/drawingml/2006/main" xmlns:r="http://schemas.openxmlformats.org/officeDocument/2006/relationships" xmlns:p="http://schemas.openxmlformats.org/presentationml/2006/main">
+  <p:cSld>
+    <p:spTree>
+      <p:nvGrpSpPr>
+        <p:cNvPr id="1" name=""/>
+        <p:cNvGrpSpPr/>
+        <p:nvPr/>
+      </p:nvGrpSpPr>
+      <p:grpSpPr>
+        <a:xfrm>
+          <a:off x="0" y="0"/>
+          <a:ext cx="0" cy="0"/>
+          <a:chOff x="0" y="0"/>
+          <a:chExt cx="0" cy="0"/>
+        </a:xfrm>
+      </p:grpSpPr>
+      <p:sp>
+        <p:nvSpPr>
+          <p:cNvPr id="2" name="Title 1">
+            <a:extLst>
+              <a:ext uri="{FF2B5EF4-FFF2-40B4-BE49-F238E27FC236}">
+                <a16:creationId xmlns:a16="http://schemas.microsoft.com/office/drawing/2014/main" id="{BCA21A63-9EE4-424E-A7EE-4FC152E96CB4}"/>
+              </a:ext>
+            </a:extLst>
+          </p:cNvPr>
+          <p:cNvSpPr>
+            <a:spLocks noGrp="1"/>
+          </p:cNvSpPr>
+          <p:nvPr>
+            <p:ph type="title"/>
+          </p:nvPr>
+        </p:nvSpPr>
+        <p:spPr/>
+        <p:txBody>
+          <a:bodyPr/>
+          <a:lstStyle/>
+          <a:p>
+            <a:pPr algn="ctr"/>
+            <a:r>
+              <a:rPr lang="sr-Latn-RS" dirty="0"/>
+              <a:t>Kreiranje sobe</a:t>
+            </a:r>
+            <a:endParaRPr lang="en-US" dirty="0"/>
+          </a:p>
+        </p:txBody>
+      </p:sp>
+      <p:pic>
+        <p:nvPicPr>
+          <p:cNvPr id="5" name="Content Placeholder 4">
+            <a:extLst>
+              <a:ext uri="{FF2B5EF4-FFF2-40B4-BE49-F238E27FC236}">
+                <a16:creationId xmlns:a16="http://schemas.microsoft.com/office/drawing/2014/main" id="{5F9CBBF6-0607-468B-8B11-4345A7F35145}"/>
+              </a:ext>
+            </a:extLst>
+          </p:cNvPr>
+          <p:cNvPicPr>
+            <a:picLocks noGrp="1" noChangeAspect="1"/>
+          </p:cNvPicPr>
+          <p:nvPr>
+            <p:ph idx="1"/>
+          </p:nvPr>
+        </p:nvPicPr>
+        <p:blipFill>
+          <a:blip r:embed="rId2">
+            <a:extLst>
+              <a:ext uri="{28A0092B-C50C-407E-A947-70E740481C1C}">
+                <a14:useLocalDpi xmlns:a14="http://schemas.microsoft.com/office/drawing/2010/main" val="0"/>
+              </a:ext>
+            </a:extLst>
+          </a:blip>
+          <a:stretch>
+            <a:fillRect/>
+          </a:stretch>
+        </p:blipFill>
+        <p:spPr>
+          <a:xfrm>
+            <a:off x="1155700" y="2777667"/>
+            <a:ext cx="8824913" cy="3067965"/>
+          </a:xfrm>
+        </p:spPr>
+      </p:pic>
+    </p:spTree>
+    <p:extLst>
+      <p:ext uri="{BB962C8B-B14F-4D97-AF65-F5344CB8AC3E}">
+        <p14:creationId xmlns:p14="http://schemas.microsoft.com/office/powerpoint/2010/main" val="3830482069"/>
+      </p:ext>
+    </p:extLst>
+  </p:cSld>
+  <p:clrMapOvr>
+    <a:masterClrMapping/>
+  </p:clrMapOvr>
+</p:sld>
+</file>
+
+<file path=ppt/slides/slide13.xml><?xml version="1.0" encoding="utf-8"?>
+<p:sld xmlns:a="http://schemas.openxmlformats.org/drawingml/2006/main" xmlns:r="http://schemas.openxmlformats.org/officeDocument/2006/relationships" xmlns:p="http://schemas.openxmlformats.org/presentationml/2006/main">
+  <p:cSld>
+    <p:spTree>
+      <p:nvGrpSpPr>
+        <p:cNvPr id="1" name=""/>
+        <p:cNvGrpSpPr/>
+        <p:nvPr/>
+      </p:nvGrpSpPr>
+      <p:grpSpPr>
+        <a:xfrm>
+          <a:off x="0" y="0"/>
+          <a:ext cx="0" cy="0"/>
+          <a:chOff x="0" y="0"/>
+          <a:chExt cx="0" cy="0"/>
+        </a:xfrm>
+      </p:grpSpPr>
+      <p:sp>
+        <p:nvSpPr>
+          <p:cNvPr id="2" name="Title 1">
+            <a:extLst>
+              <a:ext uri="{FF2B5EF4-FFF2-40B4-BE49-F238E27FC236}">
+                <a16:creationId xmlns:a16="http://schemas.microsoft.com/office/drawing/2014/main" id="{8F4AB3E9-C6DD-4063-A1C5-2956B1DBC567}"/>
+              </a:ext>
+            </a:extLst>
+          </p:cNvPr>
+          <p:cNvSpPr>
+            <a:spLocks noGrp="1"/>
+          </p:cNvSpPr>
+          <p:nvPr>
+            <p:ph type="title"/>
+          </p:nvPr>
+        </p:nvSpPr>
+        <p:spPr/>
+        <p:txBody>
+          <a:bodyPr/>
+          <a:lstStyle/>
+          <a:p>
+            <a:pPr algn="ctr"/>
+            <a:r>
+              <a:rPr lang="sr-Latn-RS" dirty="0"/>
+              <a:t>Primanje dogadjaja</a:t>
+            </a:r>
+            <a:endParaRPr lang="en-US" dirty="0"/>
+          </a:p>
+        </p:txBody>
+      </p:sp>
+      <p:pic>
+        <p:nvPicPr>
+          <p:cNvPr id="6" name="Content Placeholder 5">
+            <a:extLst>
+              <a:ext uri="{FF2B5EF4-FFF2-40B4-BE49-F238E27FC236}">
+                <a16:creationId xmlns:a16="http://schemas.microsoft.com/office/drawing/2014/main" id="{E119E241-6BCD-40DD-9F73-C082523752D3}"/>
+              </a:ext>
+            </a:extLst>
+          </p:cNvPr>
+          <p:cNvPicPr>
+            <a:picLocks noGrp="1" noChangeAspect="1"/>
+          </p:cNvPicPr>
+          <p:nvPr>
+            <p:ph idx="1"/>
+          </p:nvPr>
+        </p:nvPicPr>
+        <p:blipFill>
+          <a:blip r:embed="rId2">
+            <a:extLst>
+              <a:ext uri="{28A0092B-C50C-407E-A947-70E740481C1C}">
+                <a14:useLocalDpi xmlns:a14="http://schemas.microsoft.com/office/drawing/2010/main" val="0"/>
+              </a:ext>
+            </a:extLst>
+          </a:blip>
+          <a:stretch>
+            <a:fillRect/>
+          </a:stretch>
+        </p:blipFill>
+        <p:spPr>
+          <a:xfrm>
+            <a:off x="601053" y="2339855"/>
+            <a:ext cx="4934606" cy="4193292"/>
+          </a:xfrm>
+        </p:spPr>
+      </p:pic>
+      <p:pic>
+        <p:nvPicPr>
+          <p:cNvPr id="10" name="Picture 9">
+            <a:extLst>
+              <a:ext uri="{FF2B5EF4-FFF2-40B4-BE49-F238E27FC236}">
+                <a16:creationId xmlns:a16="http://schemas.microsoft.com/office/drawing/2014/main" id="{B8B1A839-3254-4DD0-BEFB-6DAF6EDE9093}"/>
+              </a:ext>
+            </a:extLst>
+          </p:cNvPr>
+          <p:cNvPicPr>
+            <a:picLocks noChangeAspect="1"/>
+          </p:cNvPicPr>
+          <p:nvPr/>
+        </p:nvPicPr>
+        <p:blipFill>
+          <a:blip r:embed="rId3">
+            <a:extLst>
+              <a:ext uri="{28A0092B-C50C-407E-A947-70E740481C1C}">
+                <a14:useLocalDpi xmlns:a14="http://schemas.microsoft.com/office/drawing/2010/main" val="0"/>
+              </a:ext>
+            </a:extLst>
+          </a:blip>
+          <a:stretch>
+            <a:fillRect/>
+          </a:stretch>
+        </p:blipFill>
+        <p:spPr>
+          <a:xfrm>
+            <a:off x="6656343" y="3307631"/>
+            <a:ext cx="4191585" cy="2257740"/>
+          </a:xfrm>
+          <a:prstGeom prst="rect">
+            <a:avLst/>
+          </a:prstGeom>
+        </p:spPr>
+      </p:pic>
+    </p:spTree>
+    <p:extLst>
+      <p:ext uri="{BB962C8B-B14F-4D97-AF65-F5344CB8AC3E}">
+        <p14:creationId xmlns:p14="http://schemas.microsoft.com/office/powerpoint/2010/main" val="3065764745"/>
+      </p:ext>
+    </p:extLst>
+  </p:cSld>
+  <p:clrMapOvr>
+    <a:masterClrMapping/>
+  </p:clrMapOvr>
+</p:sld>
+</file>
+
 <file path=ppt/slides/slide14.xml><?xml version="1.0" encoding="utf-8"?>
+<p:sld xmlns:a="http://schemas.openxmlformats.org/drawingml/2006/main" xmlns:r="http://schemas.openxmlformats.org/officeDocument/2006/relationships" xmlns:p="http://schemas.openxmlformats.org/presentationml/2006/main">
+  <p:cSld>
+    <p:spTree>
+      <p:nvGrpSpPr>
+        <p:cNvPr id="1" name=""/>
+        <p:cNvGrpSpPr/>
+        <p:nvPr/>
+      </p:nvGrpSpPr>
+      <p:grpSpPr>
+        <a:xfrm>
+          <a:off x="0" y="0"/>
+          <a:ext cx="0" cy="0"/>
+          <a:chOff x="0" y="0"/>
+          <a:chExt cx="0" cy="0"/>
+        </a:xfrm>
+      </p:grpSpPr>
+      <p:sp>
+        <p:nvSpPr>
+          <p:cNvPr id="2" name="Title 1">
+            <a:extLst>
+              <a:ext uri="{FF2B5EF4-FFF2-40B4-BE49-F238E27FC236}">
+                <a16:creationId xmlns:a16="http://schemas.microsoft.com/office/drawing/2014/main" id="{8AC733BD-E821-41A2-8A84-8BBC82952B2F}"/>
+              </a:ext>
+            </a:extLst>
+          </p:cNvPr>
+          <p:cNvSpPr>
+            <a:spLocks noGrp="1"/>
+          </p:cNvSpPr>
+          <p:nvPr>
+            <p:ph type="title"/>
+          </p:nvPr>
+        </p:nvSpPr>
+        <p:spPr/>
+        <p:txBody>
+          <a:bodyPr/>
+          <a:lstStyle/>
+          <a:p>
+            <a:pPr algn="ctr"/>
+            <a:r>
+              <a:rPr lang="sr-Latn-RS" dirty="0"/>
+              <a:t>Slanje dogadjaja</a:t>
+            </a:r>
+            <a:endParaRPr lang="en-US" dirty="0"/>
+          </a:p>
+        </p:txBody>
+      </p:sp>
+      <p:pic>
+        <p:nvPicPr>
+          <p:cNvPr id="5" name="Content Placeholder 4">
+            <a:extLst>
+              <a:ext uri="{FF2B5EF4-FFF2-40B4-BE49-F238E27FC236}">
+                <a16:creationId xmlns:a16="http://schemas.microsoft.com/office/drawing/2014/main" id="{055BF61A-376E-4CAE-8B82-AC3C571D98F3}"/>
+              </a:ext>
+            </a:extLst>
+          </p:cNvPr>
+          <p:cNvPicPr>
+            <a:picLocks noGrp="1" noChangeAspect="1"/>
+          </p:cNvPicPr>
+          <p:nvPr>
+            <p:ph idx="1"/>
+          </p:nvPr>
+        </p:nvPicPr>
+        <p:blipFill>
+          <a:blip r:embed="rId2">
+            <a:extLst>
+              <a:ext uri="{28A0092B-C50C-407E-A947-70E740481C1C}">
+                <a14:useLocalDpi xmlns:a14="http://schemas.microsoft.com/office/drawing/2010/main" val="0"/>
+              </a:ext>
+            </a:extLst>
+          </a:blip>
+          <a:stretch>
+            <a:fillRect/>
+          </a:stretch>
+        </p:blipFill>
+        <p:spPr>
+          <a:xfrm>
+            <a:off x="2294994" y="2903011"/>
+            <a:ext cx="7602011" cy="2753109"/>
+          </a:xfrm>
+        </p:spPr>
+      </p:pic>
+    </p:spTree>
+    <p:extLst>
+      <p:ext uri="{BB962C8B-B14F-4D97-AF65-F5344CB8AC3E}">
+        <p14:creationId xmlns:p14="http://schemas.microsoft.com/office/powerpoint/2010/main" val="3807794599"/>
+      </p:ext>
+    </p:extLst>
+  </p:cSld>
+  <p:clrMapOvr>
+    <a:masterClrMapping/>
+  </p:clrMapOvr>
+</p:sld>
+</file>
+
+<file path=ppt/slides/slide15.xml><?xml version="1.0" encoding="utf-8"?>
 <p:sld xmlns:a="http://schemas.openxmlformats.org/drawingml/2006/main" xmlns:r="http://schemas.openxmlformats.org/officeDocument/2006/relationships" xmlns:p="http://schemas.openxmlformats.org/presentationml/2006/main">
   <p:cSld>
     <p:spTree>
@@ -14187,31 +14317,78 @@
           </a:p>
         </p:txBody>
       </p:sp>
-      <p:sp>
-        <p:nvSpPr>
-          <p:cNvPr id="3" name="Text Placeholder 2">
+      <p:pic>
+        <p:nvPicPr>
+          <p:cNvPr id="8" name="Picture 7">
             <a:extLst>
               <a:ext uri="{FF2B5EF4-FFF2-40B4-BE49-F238E27FC236}">
-                <a16:creationId xmlns:a16="http://schemas.microsoft.com/office/drawing/2014/main" id="{7DE34FF2-E0B7-4A0E-9414-A7F0C0D41A62}"/>
+                <a16:creationId xmlns:a16="http://schemas.microsoft.com/office/drawing/2014/main" id="{94DD1A99-2EB2-4678-A408-D5BAF4C3E317}"/>
               </a:ext>
             </a:extLst>
           </p:cNvPr>
-          <p:cNvSpPr>
-            <a:spLocks noGrp="1"/>
-          </p:cNvSpPr>
-          <p:nvPr>
-            <p:ph type="body" idx="1"/>
-          </p:nvPr>
-        </p:nvSpPr>
-        <p:spPr/>
-        <p:txBody>
-          <a:bodyPr/>
-          <a:lstStyle/>
-          <a:p>
-            <a:endParaRPr lang="en-US"/>
-          </a:p>
-        </p:txBody>
-      </p:sp>
+          <p:cNvPicPr>
+            <a:picLocks noChangeAspect="1"/>
+          </p:cNvPicPr>
+          <p:nvPr/>
+        </p:nvPicPr>
+        <p:blipFill>
+          <a:blip r:embed="rId2">
+            <a:extLst>
+              <a:ext uri="{28A0092B-C50C-407E-A947-70E740481C1C}">
+                <a14:useLocalDpi xmlns:a14="http://schemas.microsoft.com/office/drawing/2010/main" val="0"/>
+              </a:ext>
+            </a:extLst>
+          </a:blip>
+          <a:stretch>
+            <a:fillRect/>
+          </a:stretch>
+        </p:blipFill>
+        <p:spPr>
+          <a:xfrm>
+            <a:off x="7253041" y="1415357"/>
+            <a:ext cx="4027285" cy="4027285"/>
+          </a:xfrm>
+          <a:prstGeom prst="rect">
+            <a:avLst/>
+          </a:prstGeom>
+        </p:spPr>
+      </p:pic>
+      <p:pic>
+        <p:nvPicPr>
+          <p:cNvPr id="7" name="Picture 6">
+            <a:extLst>
+              <a:ext uri="{FF2B5EF4-FFF2-40B4-BE49-F238E27FC236}">
+                <a16:creationId xmlns:a16="http://schemas.microsoft.com/office/drawing/2014/main" id="{EA0A0A36-673A-44D8-8B6C-9C0CCDF9F937}"/>
+              </a:ext>
+            </a:extLst>
+          </p:cNvPr>
+          <p:cNvPicPr>
+            <a:picLocks noChangeAspect="1"/>
+          </p:cNvPicPr>
+          <p:nvPr/>
+        </p:nvPicPr>
+        <p:blipFill>
+          <a:blip r:embed="rId3">
+            <a:extLst>
+              <a:ext uri="{28A0092B-C50C-407E-A947-70E740481C1C}">
+                <a14:useLocalDpi xmlns:a14="http://schemas.microsoft.com/office/drawing/2010/main" val="0"/>
+              </a:ext>
+            </a:extLst>
+          </a:blip>
+          <a:stretch>
+            <a:fillRect/>
+          </a:stretch>
+        </p:blipFill>
+        <p:spPr>
+          <a:xfrm>
+            <a:off x="7253042" y="4233883"/>
+            <a:ext cx="4027284" cy="1455171"/>
+          </a:xfrm>
+          <a:prstGeom prst="rect">
+            <a:avLst/>
+          </a:prstGeom>
+        </p:spPr>
+      </p:pic>
     </p:spTree>
     <p:extLst>
       <p:ext uri="{BB962C8B-B14F-4D97-AF65-F5344CB8AC3E}">
@@ -14225,7 +14402,7 @@
 </p:sld>
 </file>
 
-<file path=ppt/slides/slide15.xml><?xml version="1.0" encoding="utf-8"?>
+<file path=ppt/slides/slide16.xml><?xml version="1.0" encoding="utf-8"?>
 <p:sld xmlns:a="http://schemas.openxmlformats.org/drawingml/2006/main" xmlns:r="http://schemas.openxmlformats.org/officeDocument/2006/relationships" xmlns:p="http://schemas.openxmlformats.org/presentationml/2006/main">
   <p:cSld>
     <p:spTree>
@@ -14242,6 +14419,42 @@
           <a:chExt cx="0" cy="0"/>
         </a:xfrm>
       </p:grpSpPr>
+      <p:pic>
+        <p:nvPicPr>
+          <p:cNvPr id="4" name="Picture 3">
+            <a:extLst>
+              <a:ext uri="{FF2B5EF4-FFF2-40B4-BE49-F238E27FC236}">
+                <a16:creationId xmlns:a16="http://schemas.microsoft.com/office/drawing/2014/main" id="{461CD294-6221-456D-8AED-A7C0AE03A2F5}"/>
+              </a:ext>
+            </a:extLst>
+          </p:cNvPr>
+          <p:cNvPicPr>
+            <a:picLocks noChangeAspect="1"/>
+          </p:cNvPicPr>
+          <p:nvPr/>
+        </p:nvPicPr>
+        <p:blipFill>
+          <a:blip r:embed="rId2">
+            <a:extLst>
+              <a:ext uri="{28A0092B-C50C-407E-A947-70E740481C1C}">
+                <a14:useLocalDpi xmlns:a14="http://schemas.microsoft.com/office/drawing/2010/main" val="0"/>
+              </a:ext>
+            </a:extLst>
+          </a:blip>
+          <a:stretch>
+            <a:fillRect/>
+          </a:stretch>
+        </p:blipFill>
+        <p:spPr>
+          <a:xfrm>
+            <a:off x="9303686" y="4552841"/>
+            <a:ext cx="2305159" cy="2305159"/>
+          </a:xfrm>
+          <a:prstGeom prst="rect">
+            <a:avLst/>
+          </a:prstGeom>
+        </p:spPr>
+      </p:pic>
       <p:sp>
         <p:nvSpPr>
           <p:cNvPr id="2" name="Title 1">
@@ -14289,7 +14502,7 @@
           </p:nvPr>
         </p:nvPicPr>
         <p:blipFill>
-          <a:blip r:embed="rId2">
+          <a:blip r:embed="rId3">
             <a:extLst>
               <a:ext uri="{28A0092B-C50C-407E-A947-70E740481C1C}">
                 <a14:useLocalDpi xmlns:a14="http://schemas.microsoft.com/office/drawing/2010/main" val="0"/>
@@ -14320,7 +14533,7 @@
 </p:sld>
 </file>
 
-<file path=ppt/slides/slide16.xml><?xml version="1.0" encoding="utf-8"?>
+<file path=ppt/slides/slide17.xml><?xml version="1.0" encoding="utf-8"?>
 <p:sld xmlns:a="http://schemas.openxmlformats.org/drawingml/2006/main" xmlns:r="http://schemas.openxmlformats.org/officeDocument/2006/relationships" xmlns:p="http://schemas.openxmlformats.org/presentationml/2006/main">
   <p:cSld>
     <p:spTree>
@@ -14483,7 +14696,7 @@
 </p:sld>
 </file>
 
-<file path=ppt/slides/slide17.xml><?xml version="1.0" encoding="utf-8"?>
+<file path=ppt/slides/slide18.xml><?xml version="1.0" encoding="utf-8"?>
 <p:sld xmlns:a="http://schemas.openxmlformats.org/drawingml/2006/main" xmlns:r="http://schemas.openxmlformats.org/officeDocument/2006/relationships" xmlns:p="http://schemas.openxmlformats.org/presentationml/2006/main">
   <p:cSld>
     <p:spTree>
@@ -14505,6 +14718,427 @@
           <p:cNvPr id="2" name="Title 1">
             <a:extLst>
               <a:ext uri="{FF2B5EF4-FFF2-40B4-BE49-F238E27FC236}">
+                <a16:creationId xmlns:a16="http://schemas.microsoft.com/office/drawing/2014/main" id="{0FECC10C-8AD8-4803-93B7-8C6555C8ED21}"/>
+              </a:ext>
+            </a:extLst>
+          </p:cNvPr>
+          <p:cNvSpPr>
+            <a:spLocks noGrp="1"/>
+          </p:cNvSpPr>
+          <p:nvPr>
+            <p:ph type="title"/>
+          </p:nvPr>
+        </p:nvSpPr>
+        <p:spPr/>
+        <p:txBody>
+          <a:bodyPr/>
+          <a:lstStyle/>
+          <a:p>
+            <a:pPr algn="ctr"/>
+            <a:r>
+              <a:rPr lang="sr-Latn-RS" dirty="0"/>
+              <a:t>Primanje dogadjaja</a:t>
+            </a:r>
+            <a:endParaRPr lang="en-US" dirty="0"/>
+          </a:p>
+        </p:txBody>
+      </p:sp>
+      <p:pic>
+        <p:nvPicPr>
+          <p:cNvPr id="5" name="Content Placeholder 4">
+            <a:extLst>
+              <a:ext uri="{FF2B5EF4-FFF2-40B4-BE49-F238E27FC236}">
+                <a16:creationId xmlns:a16="http://schemas.microsoft.com/office/drawing/2014/main" id="{D38311DC-A3A7-40C8-8035-22D975B1303D}"/>
+              </a:ext>
+            </a:extLst>
+          </p:cNvPr>
+          <p:cNvPicPr>
+            <a:picLocks noGrp="1" noChangeAspect="1"/>
+          </p:cNvPicPr>
+          <p:nvPr>
+            <p:ph idx="1"/>
+          </p:nvPr>
+        </p:nvPicPr>
+        <p:blipFill>
+          <a:blip r:embed="rId2">
+            <a:extLst>
+              <a:ext uri="{28A0092B-C50C-407E-A947-70E740481C1C}">
+                <a14:useLocalDpi xmlns:a14="http://schemas.microsoft.com/office/drawing/2010/main" val="0"/>
+              </a:ext>
+            </a:extLst>
+          </a:blip>
+          <a:stretch>
+            <a:fillRect/>
+          </a:stretch>
+        </p:blipFill>
+        <p:spPr>
+          <a:xfrm>
+            <a:off x="3149011" y="2543074"/>
+            <a:ext cx="5893978" cy="3604044"/>
+          </a:xfrm>
+        </p:spPr>
+      </p:pic>
+    </p:spTree>
+    <p:extLst>
+      <p:ext uri="{BB962C8B-B14F-4D97-AF65-F5344CB8AC3E}">
+        <p14:creationId xmlns:p14="http://schemas.microsoft.com/office/powerpoint/2010/main" val="2469922313"/>
+      </p:ext>
+    </p:extLst>
+  </p:cSld>
+  <p:clrMapOvr>
+    <a:masterClrMapping/>
+  </p:clrMapOvr>
+</p:sld>
+</file>
+
+<file path=ppt/slides/slide19.xml><?xml version="1.0" encoding="utf-8"?>
+<p:sld xmlns:a="http://schemas.openxmlformats.org/drawingml/2006/main" xmlns:r="http://schemas.openxmlformats.org/officeDocument/2006/relationships" xmlns:p="http://schemas.openxmlformats.org/presentationml/2006/main">
+  <p:cSld>
+    <p:spTree>
+      <p:nvGrpSpPr>
+        <p:cNvPr id="1" name=""/>
+        <p:cNvGrpSpPr/>
+        <p:nvPr/>
+      </p:nvGrpSpPr>
+      <p:grpSpPr>
+        <a:xfrm>
+          <a:off x="0" y="0"/>
+          <a:ext cx="0" cy="0"/>
+          <a:chOff x="0" y="0"/>
+          <a:chExt cx="0" cy="0"/>
+        </a:xfrm>
+      </p:grpSpPr>
+      <p:sp>
+        <p:nvSpPr>
+          <p:cNvPr id="2" name="Title 1">
+            <a:extLst>
+              <a:ext uri="{FF2B5EF4-FFF2-40B4-BE49-F238E27FC236}">
+                <a16:creationId xmlns:a16="http://schemas.microsoft.com/office/drawing/2014/main" id="{C18315D8-AA00-4682-AD7F-C367C467A7F9}"/>
+              </a:ext>
+            </a:extLst>
+          </p:cNvPr>
+          <p:cNvSpPr>
+            <a:spLocks noGrp="1"/>
+          </p:cNvSpPr>
+          <p:nvPr>
+            <p:ph type="title"/>
+          </p:nvPr>
+        </p:nvSpPr>
+        <p:spPr/>
+        <p:txBody>
+          <a:bodyPr/>
+          <a:lstStyle/>
+          <a:p>
+            <a:pPr algn="ctr"/>
+            <a:r>
+              <a:rPr lang="sr-Latn-RS" dirty="0"/>
+              <a:t>Slanje dogadjaja</a:t>
+            </a:r>
+            <a:endParaRPr lang="en-US" dirty="0"/>
+          </a:p>
+        </p:txBody>
+      </p:sp>
+      <p:pic>
+        <p:nvPicPr>
+          <p:cNvPr id="5" name="Content Placeholder 4">
+            <a:extLst>
+              <a:ext uri="{FF2B5EF4-FFF2-40B4-BE49-F238E27FC236}">
+                <a16:creationId xmlns:a16="http://schemas.microsoft.com/office/drawing/2014/main" id="{5E20558F-E6D5-45B5-836E-C89E120495E8}"/>
+              </a:ext>
+            </a:extLst>
+          </p:cNvPr>
+          <p:cNvPicPr>
+            <a:picLocks noGrp="1" noChangeAspect="1"/>
+          </p:cNvPicPr>
+          <p:nvPr>
+            <p:ph idx="1"/>
+          </p:nvPr>
+        </p:nvPicPr>
+        <p:blipFill>
+          <a:blip r:embed="rId2">
+            <a:extLst>
+              <a:ext uri="{28A0092B-C50C-407E-A947-70E740481C1C}">
+                <a14:useLocalDpi xmlns:a14="http://schemas.microsoft.com/office/drawing/2010/main" val="0"/>
+              </a:ext>
+            </a:extLst>
+          </a:blip>
+          <a:stretch>
+            <a:fillRect/>
+          </a:stretch>
+        </p:blipFill>
+        <p:spPr>
+          <a:xfrm>
+            <a:off x="218553" y="2525792"/>
+            <a:ext cx="11754893" cy="3358540"/>
+          </a:xfrm>
+        </p:spPr>
+      </p:pic>
+    </p:spTree>
+    <p:extLst>
+      <p:ext uri="{BB962C8B-B14F-4D97-AF65-F5344CB8AC3E}">
+        <p14:creationId xmlns:p14="http://schemas.microsoft.com/office/powerpoint/2010/main" val="1609328026"/>
+      </p:ext>
+    </p:extLst>
+  </p:cSld>
+  <p:clrMapOvr>
+    <a:masterClrMapping/>
+  </p:clrMapOvr>
+</p:sld>
+</file>
+
+<file path=ppt/slides/slide2.xml><?xml version="1.0" encoding="utf-8"?>
+<p:sld xmlns:a="http://schemas.openxmlformats.org/drawingml/2006/main" xmlns:r="http://schemas.openxmlformats.org/officeDocument/2006/relationships" xmlns:p="http://schemas.openxmlformats.org/presentationml/2006/main">
+  <p:cSld>
+    <p:spTree>
+      <p:nvGrpSpPr>
+        <p:cNvPr id="1" name=""/>
+        <p:cNvGrpSpPr/>
+        <p:nvPr/>
+      </p:nvGrpSpPr>
+      <p:grpSpPr>
+        <a:xfrm>
+          <a:off x="0" y="0"/>
+          <a:ext cx="0" cy="0"/>
+          <a:chOff x="0" y="0"/>
+          <a:chExt cx="0" cy="0"/>
+        </a:xfrm>
+      </p:grpSpPr>
+      <p:sp>
+        <p:nvSpPr>
+          <p:cNvPr id="2" name="Title 1">
+            <a:extLst>
+              <a:ext uri="{FF2B5EF4-FFF2-40B4-BE49-F238E27FC236}">
+                <a16:creationId xmlns:a16="http://schemas.microsoft.com/office/drawing/2014/main" id="{623D3C0B-0B58-4A46-BEC9-16AAA686608D}"/>
+              </a:ext>
+            </a:extLst>
+          </p:cNvPr>
+          <p:cNvSpPr>
+            <a:spLocks noGrp="1"/>
+          </p:cNvSpPr>
+          <p:nvPr>
+            <p:ph type="title"/>
+          </p:nvPr>
+        </p:nvSpPr>
+        <p:spPr/>
+        <p:txBody>
+          <a:bodyPr/>
+          <a:lstStyle/>
+          <a:p>
+            <a:pPr algn="ctr"/>
+            <a:r>
+              <a:rPr lang="sr-Latn-RS" dirty="0"/>
+              <a:t>Zašto ova tema </a:t>
+            </a:r>
+            <a:r>
+              <a:rPr lang="en-US" dirty="0">
+                <a:latin typeface="Times New Roman" panose="02020603050405020304" pitchFamily="18" charset="0"/>
+                <a:cs typeface="Times New Roman" panose="02020603050405020304" pitchFamily="18" charset="0"/>
+              </a:rPr>
+              <a:t>?</a:t>
+            </a:r>
+          </a:p>
+        </p:txBody>
+      </p:sp>
+      <p:sp>
+        <p:nvSpPr>
+          <p:cNvPr id="3" name="Content Placeholder 2">
+            <a:extLst>
+              <a:ext uri="{FF2B5EF4-FFF2-40B4-BE49-F238E27FC236}">
+                <a16:creationId xmlns:a16="http://schemas.microsoft.com/office/drawing/2014/main" id="{C901BD34-7522-4002-9BDF-617115E40691}"/>
+              </a:ext>
+            </a:extLst>
+          </p:cNvPr>
+          <p:cNvSpPr>
+            <a:spLocks noGrp="1"/>
+          </p:cNvSpPr>
+          <p:nvPr>
+            <p:ph idx="1"/>
+          </p:nvPr>
+        </p:nvSpPr>
+        <p:spPr/>
+        <p:txBody>
+          <a:bodyPr anchor="ctr"/>
+          <a:lstStyle/>
+          <a:p>
+            <a:r>
+              <a:rPr lang="sr-Latn-RS" dirty="0"/>
+              <a:t>Zašto Unity</a:t>
+            </a:r>
+            <a:r>
+              <a:rPr lang="en-US" dirty="0">
+                <a:latin typeface="Times New Roman" panose="02020603050405020304" pitchFamily="18" charset="0"/>
+                <a:cs typeface="Times New Roman" panose="02020603050405020304" pitchFamily="18" charset="0"/>
+              </a:rPr>
+              <a:t> ?</a:t>
+            </a:r>
+            <a:endParaRPr lang="en-US" dirty="0"/>
+          </a:p>
+          <a:p>
+            <a:r>
+              <a:rPr lang="sr-Latn-RS" dirty="0"/>
+              <a:t>Zašto</a:t>
+            </a:r>
+            <a:r>
+              <a:rPr lang="en-US" dirty="0"/>
+              <a:t> Multiplayer</a:t>
+            </a:r>
+            <a:r>
+              <a:rPr lang="sr-Latn-RS" dirty="0"/>
+              <a:t> </a:t>
+            </a:r>
+            <a:r>
+              <a:rPr lang="en-US" dirty="0">
+                <a:latin typeface="Times New Roman" panose="02020603050405020304" pitchFamily="18" charset="0"/>
+                <a:cs typeface="Times New Roman" panose="02020603050405020304" pitchFamily="18" charset="0"/>
+              </a:rPr>
+              <a:t>?</a:t>
+            </a:r>
+          </a:p>
+          <a:p>
+            <a:r>
+              <a:rPr lang="en-US" dirty="0"/>
+              <a:t>Za</a:t>
+            </a:r>
+            <a:r>
+              <a:rPr lang="sr-Latn-RS" dirty="0"/>
+              <a:t>što serverski autoritet</a:t>
+            </a:r>
+            <a:r>
+              <a:rPr lang="en-US" dirty="0"/>
+              <a:t> </a:t>
+            </a:r>
+            <a:r>
+              <a:rPr lang="en-US" dirty="0">
+                <a:latin typeface="Times New Roman" panose="02020603050405020304" pitchFamily="18" charset="0"/>
+                <a:cs typeface="Times New Roman" panose="02020603050405020304" pitchFamily="18" charset="0"/>
+              </a:rPr>
+              <a:t>?</a:t>
+            </a:r>
+            <a:endParaRPr lang="sr-Latn-RS" dirty="0"/>
+          </a:p>
+          <a:p>
+            <a:r>
+              <a:rPr lang="sr-Latn-RS" dirty="0"/>
+              <a:t>Zašto MineSweepers </a:t>
+            </a:r>
+            <a:r>
+              <a:rPr lang="en-US" dirty="0">
+                <a:latin typeface="Times New Roman" panose="02020603050405020304" pitchFamily="18" charset="0"/>
+                <a:cs typeface="Times New Roman" panose="02020603050405020304" pitchFamily="18" charset="0"/>
+              </a:rPr>
+              <a:t>?</a:t>
+            </a:r>
+            <a:endParaRPr lang="en-US" dirty="0"/>
+          </a:p>
+        </p:txBody>
+      </p:sp>
+      <p:pic>
+        <p:nvPicPr>
+          <p:cNvPr id="5" name="Picture 4">
+            <a:extLst>
+              <a:ext uri="{FF2B5EF4-FFF2-40B4-BE49-F238E27FC236}">
+                <a16:creationId xmlns:a16="http://schemas.microsoft.com/office/drawing/2014/main" id="{EAA0C8D1-A105-4B11-B00D-A62710ECE521}"/>
+              </a:ext>
+            </a:extLst>
+          </p:cNvPr>
+          <p:cNvPicPr>
+            <a:picLocks noChangeAspect="1"/>
+          </p:cNvPicPr>
+          <p:nvPr/>
+        </p:nvPicPr>
+        <p:blipFill>
+          <a:blip r:embed="rId2">
+            <a:extLst>
+              <a:ext uri="{28A0092B-C50C-407E-A947-70E740481C1C}">
+                <a14:useLocalDpi xmlns:a14="http://schemas.microsoft.com/office/drawing/2010/main" val="0"/>
+              </a:ext>
+            </a:extLst>
+          </a:blip>
+          <a:stretch>
+            <a:fillRect/>
+          </a:stretch>
+        </p:blipFill>
+        <p:spPr>
+          <a:xfrm>
+            <a:off x="9916367" y="4311650"/>
+            <a:ext cx="1905000" cy="1905000"/>
+          </a:xfrm>
+          <a:prstGeom prst="rect">
+            <a:avLst/>
+          </a:prstGeom>
+        </p:spPr>
+      </p:pic>
+    </p:spTree>
+    <p:extLst>
+      <p:ext uri="{BB962C8B-B14F-4D97-AF65-F5344CB8AC3E}">
+        <p14:creationId xmlns:p14="http://schemas.microsoft.com/office/powerpoint/2010/main" val="2078801738"/>
+      </p:ext>
+    </p:extLst>
+  </p:cSld>
+  <p:clrMapOvr>
+    <a:masterClrMapping/>
+  </p:clrMapOvr>
+</p:sld>
+</file>
+
+<file path=ppt/slides/slide20.xml><?xml version="1.0" encoding="utf-8"?>
+<p:sld xmlns:a="http://schemas.openxmlformats.org/drawingml/2006/main" xmlns:r="http://schemas.openxmlformats.org/officeDocument/2006/relationships" xmlns:p="http://schemas.openxmlformats.org/presentationml/2006/main">
+  <p:cSld>
+    <p:spTree>
+      <p:nvGrpSpPr>
+        <p:cNvPr id="1" name=""/>
+        <p:cNvGrpSpPr/>
+        <p:nvPr/>
+      </p:nvGrpSpPr>
+      <p:grpSpPr>
+        <a:xfrm>
+          <a:off x="0" y="0"/>
+          <a:ext cx="0" cy="0"/>
+          <a:chOff x="0" y="0"/>
+          <a:chExt cx="0" cy="0"/>
+        </a:xfrm>
+      </p:grpSpPr>
+      <p:pic>
+        <p:nvPicPr>
+          <p:cNvPr id="10" name="Picture 9">
+            <a:extLst>
+              <a:ext uri="{FF2B5EF4-FFF2-40B4-BE49-F238E27FC236}">
+                <a16:creationId xmlns:a16="http://schemas.microsoft.com/office/drawing/2014/main" id="{B7CB46A5-28B6-4B82-8A9F-A44963F95C5A}"/>
+              </a:ext>
+            </a:extLst>
+          </p:cNvPr>
+          <p:cNvPicPr>
+            <a:picLocks noChangeAspect="1"/>
+          </p:cNvPicPr>
+          <p:nvPr/>
+        </p:nvPicPr>
+        <p:blipFill>
+          <a:blip r:embed="rId2">
+            <a:extLst>
+              <a:ext uri="{28A0092B-C50C-407E-A947-70E740481C1C}">
+                <a14:useLocalDpi xmlns:a14="http://schemas.microsoft.com/office/drawing/2010/main" val="0"/>
+              </a:ext>
+            </a:extLst>
+          </a:blip>
+          <a:stretch>
+            <a:fillRect/>
+          </a:stretch>
+        </p:blipFill>
+        <p:spPr>
+          <a:xfrm>
+            <a:off x="6345388" y="1628275"/>
+            <a:ext cx="5846612" cy="3922294"/>
+          </a:xfrm>
+          <a:prstGeom prst="rect">
+            <a:avLst/>
+          </a:prstGeom>
+        </p:spPr>
+      </p:pic>
+      <p:sp>
+        <p:nvSpPr>
+          <p:cNvPr id="2" name="Title 1">
+            <a:extLst>
+              <a:ext uri="{FF2B5EF4-FFF2-40B4-BE49-F238E27FC236}">
                 <a16:creationId xmlns:a16="http://schemas.microsoft.com/office/drawing/2014/main" id="{D515D7E0-788F-48E1-87E5-36DDEEFBB6C6}"/>
               </a:ext>
             </a:extLst>
@@ -14529,31 +15163,6 @@
           </a:p>
         </p:txBody>
       </p:sp>
-      <p:sp>
-        <p:nvSpPr>
-          <p:cNvPr id="3" name="Text Placeholder 2">
-            <a:extLst>
-              <a:ext uri="{FF2B5EF4-FFF2-40B4-BE49-F238E27FC236}">
-                <a16:creationId xmlns:a16="http://schemas.microsoft.com/office/drawing/2014/main" id="{4A75DBDA-8F54-4374-ACDD-1A0307765F65}"/>
-              </a:ext>
-            </a:extLst>
-          </p:cNvPr>
-          <p:cNvSpPr>
-            <a:spLocks noGrp="1"/>
-          </p:cNvSpPr>
-          <p:nvPr>
-            <p:ph type="body" idx="1"/>
-          </p:nvPr>
-        </p:nvSpPr>
-        <p:spPr/>
-        <p:txBody>
-          <a:bodyPr/>
-          <a:lstStyle/>
-          <a:p>
-            <a:endParaRPr lang="en-US"/>
-          </a:p>
-        </p:txBody>
-      </p:sp>
     </p:spTree>
     <p:extLst>
       <p:ext uri="{BB962C8B-B14F-4D97-AF65-F5344CB8AC3E}">
@@ -14567,7 +15176,7 @@
 </p:sld>
 </file>
 
-<file path=ppt/slides/slide18.xml><?xml version="1.0" encoding="utf-8"?>
+<file path=ppt/slides/slide21.xml><?xml version="1.0" encoding="utf-8"?>
 <p:sld xmlns:a="http://schemas.openxmlformats.org/drawingml/2006/main" xmlns:r="http://schemas.openxmlformats.org/officeDocument/2006/relationships" xmlns:p="http://schemas.openxmlformats.org/presentationml/2006/main">
   <p:cSld>
     <p:spTree>
@@ -15087,6 +15696,42 @@
           </a:p>
         </p:txBody>
       </p:sp>
+      <p:pic>
+        <p:nvPicPr>
+          <p:cNvPr id="5" name="Picture 4">
+            <a:extLst>
+              <a:ext uri="{FF2B5EF4-FFF2-40B4-BE49-F238E27FC236}">
+                <a16:creationId xmlns:a16="http://schemas.microsoft.com/office/drawing/2014/main" id="{20F3B156-2C2F-4442-BEBB-351FEBE4F0AB}"/>
+              </a:ext>
+            </a:extLst>
+          </p:cNvPr>
+          <p:cNvPicPr>
+            <a:picLocks noChangeAspect="1"/>
+          </p:cNvPicPr>
+          <p:nvPr/>
+        </p:nvPicPr>
+        <p:blipFill>
+          <a:blip r:embed="rId2">
+            <a:extLst>
+              <a:ext uri="{28A0092B-C50C-407E-A947-70E740481C1C}">
+                <a14:useLocalDpi xmlns:a14="http://schemas.microsoft.com/office/drawing/2010/main" val="0"/>
+              </a:ext>
+            </a:extLst>
+          </a:blip>
+          <a:stretch>
+            <a:fillRect/>
+          </a:stretch>
+        </p:blipFill>
+        <p:spPr>
+          <a:xfrm>
+            <a:off x="7477967" y="4010025"/>
+            <a:ext cx="4876800" cy="2847975"/>
+          </a:xfrm>
+          <a:prstGeom prst="rect">
+            <a:avLst/>
+          </a:prstGeom>
+        </p:spPr>
+      </p:pic>
     </p:spTree>
     <p:extLst>
       <p:ext uri="{BB962C8B-B14F-4D97-AF65-F5344CB8AC3E}">
@@ -15100,7 +15745,7 @@
 </p:sld>
 </file>
 
-<file path=ppt/slides/slide19.xml><?xml version="1.0" encoding="utf-8"?>
+<file path=ppt/slides/slide22.xml><?xml version="1.0" encoding="utf-8"?>
 <p:sld xmlns:a="http://schemas.openxmlformats.org/drawingml/2006/main" xmlns:r="http://schemas.openxmlformats.org/officeDocument/2006/relationships" xmlns:p="http://schemas.openxmlformats.org/presentationml/2006/main">
   <p:cSld>
     <p:spTree>
@@ -15146,31 +15791,224 @@
           </a:p>
         </p:txBody>
       </p:sp>
-      <p:sp>
-        <p:nvSpPr>
-          <p:cNvPr id="3" name="Text Placeholder 2">
+      <p:pic>
+        <p:nvPicPr>
+          <p:cNvPr id="5" name="Picture 4">
             <a:extLst>
               <a:ext uri="{FF2B5EF4-FFF2-40B4-BE49-F238E27FC236}">
-                <a16:creationId xmlns:a16="http://schemas.microsoft.com/office/drawing/2014/main" id="{5779494D-9BE0-44EE-B1F7-D3E7B008B049}"/>
+                <a16:creationId xmlns:a16="http://schemas.microsoft.com/office/drawing/2014/main" id="{3D0F7AFE-EF1B-459A-ADD8-355FC7A7F61D}"/>
               </a:ext>
             </a:extLst>
           </p:cNvPr>
-          <p:cNvSpPr>
-            <a:spLocks noGrp="1"/>
-          </p:cNvSpPr>
-          <p:nvPr>
-            <p:ph type="body" idx="1"/>
-          </p:nvPr>
-        </p:nvSpPr>
-        <p:spPr/>
-        <p:txBody>
-          <a:bodyPr/>
-          <a:lstStyle/>
-          <a:p>
-            <a:endParaRPr lang="en-US"/>
-          </a:p>
-        </p:txBody>
-      </p:sp>
+          <p:cNvPicPr>
+            <a:picLocks noChangeAspect="1"/>
+          </p:cNvPicPr>
+          <p:nvPr/>
+        </p:nvPicPr>
+        <p:blipFill>
+          <a:blip r:embed="rId2">
+            <a:clrChange>
+              <a:clrFrom>
+                <a:srgbClr val="FFFFFF"/>
+              </a:clrFrom>
+              <a:clrTo>
+                <a:srgbClr val="FFFFFF">
+                  <a:alpha val="0"/>
+                </a:srgbClr>
+              </a:clrTo>
+            </a:clrChange>
+            <a:extLst>
+              <a:ext uri="{28A0092B-C50C-407E-A947-70E740481C1C}">
+                <a14:useLocalDpi xmlns:a14="http://schemas.microsoft.com/office/drawing/2010/main" val="0"/>
+              </a:ext>
+            </a:extLst>
+          </a:blip>
+          <a:stretch>
+            <a:fillRect/>
+          </a:stretch>
+        </p:blipFill>
+        <p:spPr>
+          <a:xfrm>
+            <a:off x="6686023" y="766182"/>
+            <a:ext cx="4567648" cy="2283824"/>
+          </a:xfrm>
+          <a:prstGeom prst="rect">
+            <a:avLst/>
+          </a:prstGeom>
+        </p:spPr>
+      </p:pic>
+      <p:pic>
+        <p:nvPicPr>
+          <p:cNvPr id="7" name="Picture 6">
+            <a:extLst>
+              <a:ext uri="{FF2B5EF4-FFF2-40B4-BE49-F238E27FC236}">
+                <a16:creationId xmlns:a16="http://schemas.microsoft.com/office/drawing/2014/main" id="{8EFA0764-12C0-4718-BA27-4A683A5084B2}"/>
+              </a:ext>
+            </a:extLst>
+          </p:cNvPr>
+          <p:cNvPicPr>
+            <a:picLocks noChangeAspect="1"/>
+          </p:cNvPicPr>
+          <p:nvPr/>
+        </p:nvPicPr>
+        <p:blipFill>
+          <a:blip r:embed="rId3">
+            <a:extLst>
+              <a:ext uri="{28A0092B-C50C-407E-A947-70E740481C1C}">
+                <a14:useLocalDpi xmlns:a14="http://schemas.microsoft.com/office/drawing/2010/main" val="0"/>
+              </a:ext>
+            </a:extLst>
+          </a:blip>
+          <a:stretch>
+            <a:fillRect/>
+          </a:stretch>
+        </p:blipFill>
+        <p:spPr>
+          <a:xfrm>
+            <a:off x="6686023" y="2805522"/>
+            <a:ext cx="2079325" cy="2362869"/>
+          </a:xfrm>
+          <a:prstGeom prst="rect">
+            <a:avLst/>
+          </a:prstGeom>
+        </p:spPr>
+      </p:pic>
+      <p:pic>
+        <p:nvPicPr>
+          <p:cNvPr id="9" name="Picture 8">
+            <a:extLst>
+              <a:ext uri="{FF2B5EF4-FFF2-40B4-BE49-F238E27FC236}">
+                <a16:creationId xmlns:a16="http://schemas.microsoft.com/office/drawing/2014/main" id="{11940342-9EF3-4C75-BC04-23096C8B283E}"/>
+              </a:ext>
+            </a:extLst>
+          </p:cNvPr>
+          <p:cNvPicPr>
+            <a:picLocks noChangeAspect="1"/>
+          </p:cNvPicPr>
+          <p:nvPr/>
+        </p:nvPicPr>
+        <p:blipFill>
+          <a:blip r:embed="rId4">
+            <a:clrChange>
+              <a:clrFrom>
+                <a:srgbClr val="FFFFFF"/>
+              </a:clrFrom>
+              <a:clrTo>
+                <a:srgbClr val="FFFFFF">
+                  <a:alpha val="0"/>
+                </a:srgbClr>
+              </a:clrTo>
+            </a:clrChange>
+            <a:extLst>
+              <a:ext uri="{28A0092B-C50C-407E-A947-70E740481C1C}">
+                <a14:useLocalDpi xmlns:a14="http://schemas.microsoft.com/office/drawing/2010/main" val="0"/>
+              </a:ext>
+            </a:extLst>
+          </a:blip>
+          <a:stretch>
+            <a:fillRect/>
+          </a:stretch>
+        </p:blipFill>
+        <p:spPr>
+          <a:xfrm>
+            <a:off x="8969847" y="3050006"/>
+            <a:ext cx="3086100" cy="1485900"/>
+          </a:xfrm>
+          <a:prstGeom prst="rect">
+            <a:avLst/>
+          </a:prstGeom>
+        </p:spPr>
+      </p:pic>
+      <p:pic>
+        <p:nvPicPr>
+          <p:cNvPr id="13" name="Picture 12">
+            <a:extLst>
+              <a:ext uri="{FF2B5EF4-FFF2-40B4-BE49-F238E27FC236}">
+                <a16:creationId xmlns:a16="http://schemas.microsoft.com/office/drawing/2014/main" id="{87FAAA53-E233-4CE4-88A8-B6430685CCFC}"/>
+              </a:ext>
+            </a:extLst>
+          </p:cNvPr>
+          <p:cNvPicPr>
+            <a:picLocks noChangeAspect="1"/>
+          </p:cNvPicPr>
+          <p:nvPr/>
+        </p:nvPicPr>
+        <p:blipFill rotWithShape="1">
+          <a:blip r:embed="rId5">
+            <a:clrChange>
+              <a:clrFrom>
+                <a:srgbClr val="E6E6E6"/>
+              </a:clrFrom>
+              <a:clrTo>
+                <a:srgbClr val="E6E6E6">
+                  <a:alpha val="0"/>
+                </a:srgbClr>
+              </a:clrTo>
+            </a:clrChange>
+            <a:extLst>
+              <a:ext uri="{28A0092B-C50C-407E-A947-70E740481C1C}">
+                <a14:useLocalDpi xmlns:a14="http://schemas.microsoft.com/office/drawing/2010/main" val="0"/>
+              </a:ext>
+            </a:extLst>
+          </a:blip>
+          <a:srcRect b="50000"/>
+          <a:stretch/>
+        </p:blipFill>
+        <p:spPr>
+          <a:xfrm>
+            <a:off x="6686024" y="5168392"/>
+            <a:ext cx="2382730" cy="874992"/>
+          </a:xfrm>
+          <a:prstGeom prst="rect">
+            <a:avLst/>
+          </a:prstGeom>
+        </p:spPr>
+      </p:pic>
+      <p:pic>
+        <p:nvPicPr>
+          <p:cNvPr id="15" name="Picture 14">
+            <a:extLst>
+              <a:ext uri="{FF2B5EF4-FFF2-40B4-BE49-F238E27FC236}">
+                <a16:creationId xmlns:a16="http://schemas.microsoft.com/office/drawing/2014/main" id="{2C8EFA06-69E4-47E8-A822-7F3DED2BAA6B}"/>
+              </a:ext>
+            </a:extLst>
+          </p:cNvPr>
+          <p:cNvPicPr>
+            <a:picLocks noChangeAspect="1"/>
+          </p:cNvPicPr>
+          <p:nvPr/>
+        </p:nvPicPr>
+        <p:blipFill rotWithShape="1">
+          <a:blip r:embed="rId6">
+            <a:clrChange>
+              <a:clrFrom>
+                <a:srgbClr val="EDEDED"/>
+              </a:clrFrom>
+              <a:clrTo>
+                <a:srgbClr val="EDEDED">
+                  <a:alpha val="0"/>
+                </a:srgbClr>
+              </a:clrTo>
+            </a:clrChange>
+            <a:extLst>
+              <a:ext uri="{28A0092B-C50C-407E-A947-70E740481C1C}">
+                <a14:useLocalDpi xmlns:a14="http://schemas.microsoft.com/office/drawing/2010/main" val="0"/>
+              </a:ext>
+            </a:extLst>
+          </a:blip>
+          <a:srcRect t="13282" b="55886"/>
+          <a:stretch/>
+        </p:blipFill>
+        <p:spPr>
+          <a:xfrm>
+            <a:off x="9280942" y="5168391"/>
+            <a:ext cx="2775005" cy="874992"/>
+          </a:xfrm>
+          <a:prstGeom prst="rect">
+            <a:avLst/>
+          </a:prstGeom>
+        </p:spPr>
+      </p:pic>
     </p:spTree>
     <p:extLst>
       <p:ext uri="{BB962C8B-B14F-4D97-AF65-F5344CB8AC3E}">
@@ -15184,7 +16022,887 @@
 </p:sld>
 </file>
 
-<file path=ppt/slides/slide2.xml><?xml version="1.0" encoding="utf-8"?>
+<file path=ppt/slides/slide23.xml><?xml version="1.0" encoding="utf-8"?>
+<p:sld xmlns:a="http://schemas.openxmlformats.org/drawingml/2006/main" xmlns:r="http://schemas.openxmlformats.org/officeDocument/2006/relationships" xmlns:p="http://schemas.openxmlformats.org/presentationml/2006/main">
+  <p:cSld>
+    <p:spTree>
+      <p:nvGrpSpPr>
+        <p:cNvPr id="1" name=""/>
+        <p:cNvGrpSpPr/>
+        <p:nvPr/>
+      </p:nvGrpSpPr>
+      <p:grpSpPr>
+        <a:xfrm>
+          <a:off x="0" y="0"/>
+          <a:ext cx="0" cy="0"/>
+          <a:chOff x="0" y="0"/>
+          <a:chExt cx="0" cy="0"/>
+        </a:xfrm>
+      </p:grpSpPr>
+      <p:sp>
+        <p:nvSpPr>
+          <p:cNvPr id="2" name="Title 1">
+            <a:extLst>
+              <a:ext uri="{FF2B5EF4-FFF2-40B4-BE49-F238E27FC236}">
+                <a16:creationId xmlns:a16="http://schemas.microsoft.com/office/drawing/2014/main" id="{5E9B4466-F4C8-4057-8F0C-AE44255C59CD}"/>
+              </a:ext>
+            </a:extLst>
+          </p:cNvPr>
+          <p:cNvSpPr>
+            <a:spLocks noGrp="1"/>
+          </p:cNvSpPr>
+          <p:nvPr>
+            <p:ph type="title"/>
+          </p:nvPr>
+        </p:nvSpPr>
+        <p:spPr/>
+        <p:txBody>
+          <a:bodyPr/>
+          <a:lstStyle/>
+          <a:p>
+            <a:pPr algn="ctr"/>
+            <a:r>
+              <a:rPr lang="sr-Latn-RS" dirty="0"/>
+              <a:t>Hosting opcije</a:t>
+            </a:r>
+            <a:endParaRPr lang="en-US" dirty="0"/>
+          </a:p>
+        </p:txBody>
+      </p:sp>
+      <p:pic>
+        <p:nvPicPr>
+          <p:cNvPr id="5" name="Content Placeholder 4">
+            <a:extLst>
+              <a:ext uri="{FF2B5EF4-FFF2-40B4-BE49-F238E27FC236}">
+                <a16:creationId xmlns:a16="http://schemas.microsoft.com/office/drawing/2014/main" id="{1EB60EB8-F41E-4D09-914C-28FB846026E4}"/>
+              </a:ext>
+            </a:extLst>
+          </p:cNvPr>
+          <p:cNvPicPr>
+            <a:picLocks noGrp="1" noChangeAspect="1"/>
+          </p:cNvPicPr>
+          <p:nvPr>
+            <p:ph idx="1"/>
+          </p:nvPr>
+        </p:nvPicPr>
+        <p:blipFill>
+          <a:blip r:embed="rId2">
+            <a:extLst>
+              <a:ext uri="{28A0092B-C50C-407E-A947-70E740481C1C}">
+                <a14:useLocalDpi xmlns:a14="http://schemas.microsoft.com/office/drawing/2010/main" val="0"/>
+              </a:ext>
+            </a:extLst>
+          </a:blip>
+          <a:stretch>
+            <a:fillRect/>
+          </a:stretch>
+        </p:blipFill>
+        <p:spPr>
+          <a:xfrm>
+            <a:off x="6420692" y="3482974"/>
+            <a:ext cx="3495675" cy="1304925"/>
+          </a:xfrm>
+        </p:spPr>
+      </p:pic>
+      <p:pic>
+        <p:nvPicPr>
+          <p:cNvPr id="7" name="Picture 6">
+            <a:extLst>
+              <a:ext uri="{FF2B5EF4-FFF2-40B4-BE49-F238E27FC236}">
+                <a16:creationId xmlns:a16="http://schemas.microsoft.com/office/drawing/2014/main" id="{DF33ACE1-5911-40F8-9F9D-D8FB01313B1D}"/>
+              </a:ext>
+            </a:extLst>
+          </p:cNvPr>
+          <p:cNvPicPr>
+            <a:picLocks noChangeAspect="1"/>
+          </p:cNvPicPr>
+          <p:nvPr/>
+        </p:nvPicPr>
+        <p:blipFill>
+          <a:blip r:embed="rId3">
+            <a:extLst>
+              <a:ext uri="{28A0092B-C50C-407E-A947-70E740481C1C}">
+                <a14:useLocalDpi xmlns:a14="http://schemas.microsoft.com/office/drawing/2010/main" val="0"/>
+              </a:ext>
+            </a:extLst>
+          </a:blip>
+          <a:stretch>
+            <a:fillRect/>
+          </a:stretch>
+        </p:blipFill>
+        <p:spPr>
+          <a:xfrm>
+            <a:off x="1230455" y="3306761"/>
+            <a:ext cx="2762250" cy="1657350"/>
+          </a:xfrm>
+          <a:prstGeom prst="rect">
+            <a:avLst/>
+          </a:prstGeom>
+        </p:spPr>
+      </p:pic>
+      <p:sp>
+        <p:nvSpPr>
+          <p:cNvPr id="8" name="Content Placeholder 2">
+            <a:extLst>
+              <a:ext uri="{FF2B5EF4-FFF2-40B4-BE49-F238E27FC236}">
+                <a16:creationId xmlns:a16="http://schemas.microsoft.com/office/drawing/2014/main" id="{17DA36F7-4240-4229-A8BF-37BF2D1840EA}"/>
+              </a:ext>
+            </a:extLst>
+          </p:cNvPr>
+          <p:cNvSpPr txBox="1">
+            <a:spLocks/>
+          </p:cNvSpPr>
+          <p:nvPr/>
+        </p:nvSpPr>
+        <p:spPr>
+          <a:xfrm>
+            <a:off x="1154955" y="5058303"/>
+            <a:ext cx="3534492" cy="1531937"/>
+          </a:xfrm>
+          <a:prstGeom prst="rect">
+            <a:avLst/>
+          </a:prstGeom>
+        </p:spPr>
+        <p:txBody>
+          <a:bodyPr vert="horz" lIns="91440" tIns="45720" rIns="91440" bIns="45720" rtlCol="0">
+            <a:normAutofit/>
+          </a:bodyPr>
+          <a:lstStyle>
+            <a:lvl1pPr marL="342900" indent="-342900" algn="l" defTabSz="457200" rtl="0" eaLnBrk="1" latinLnBrk="0" hangingPunct="1">
+              <a:spcBef>
+                <a:spcPts val="1000"/>
+              </a:spcBef>
+              <a:spcAft>
+                <a:spcPts val="0"/>
+              </a:spcAft>
+              <a:buClr>
+                <a:schemeClr val="accent1"/>
+              </a:buClr>
+              <a:buSzPct val="80000"/>
+              <a:buFont typeface="Wingdings 3" charset="2"/>
+              <a:buChar char=""/>
+              <a:defRPr sz="1800" b="0" i="0" kern="1200">
+                <a:solidFill>
+                  <a:schemeClr val="tx1">
+                    <a:lumMod val="75000"/>
+                    <a:lumOff val="25000"/>
+                  </a:schemeClr>
+                </a:solidFill>
+                <a:latin typeface="+mn-lt"/>
+                <a:ea typeface="+mn-ea"/>
+                <a:cs typeface="+mn-cs"/>
+              </a:defRPr>
+            </a:lvl1pPr>
+            <a:lvl2pPr marL="742950" indent="-285750" algn="l" defTabSz="457200" rtl="0" eaLnBrk="1" latinLnBrk="0" hangingPunct="1">
+              <a:spcBef>
+                <a:spcPts val="1000"/>
+              </a:spcBef>
+              <a:spcAft>
+                <a:spcPts val="0"/>
+              </a:spcAft>
+              <a:buClr>
+                <a:schemeClr val="accent1"/>
+              </a:buClr>
+              <a:buSzPct val="80000"/>
+              <a:buFont typeface="Wingdings 3" charset="2"/>
+              <a:buChar char=""/>
+              <a:defRPr sz="1600" b="0" i="0" kern="1200">
+                <a:solidFill>
+                  <a:schemeClr val="tx1">
+                    <a:lumMod val="75000"/>
+                    <a:lumOff val="25000"/>
+                  </a:schemeClr>
+                </a:solidFill>
+                <a:latin typeface="+mn-lt"/>
+                <a:ea typeface="+mn-ea"/>
+                <a:cs typeface="+mn-cs"/>
+              </a:defRPr>
+            </a:lvl2pPr>
+            <a:lvl3pPr marL="1143000" indent="-228600" algn="l" defTabSz="457200" rtl="0" eaLnBrk="1" latinLnBrk="0" hangingPunct="1">
+              <a:spcBef>
+                <a:spcPts val="1000"/>
+              </a:spcBef>
+              <a:spcAft>
+                <a:spcPts val="0"/>
+              </a:spcAft>
+              <a:buClr>
+                <a:schemeClr val="accent1"/>
+              </a:buClr>
+              <a:buSzPct val="80000"/>
+              <a:buFont typeface="Wingdings 3" charset="2"/>
+              <a:buChar char=""/>
+              <a:defRPr sz="1400" b="0" i="0" kern="1200">
+                <a:solidFill>
+                  <a:schemeClr val="tx1">
+                    <a:lumMod val="75000"/>
+                    <a:lumOff val="25000"/>
+                  </a:schemeClr>
+                </a:solidFill>
+                <a:latin typeface="+mn-lt"/>
+                <a:ea typeface="+mn-ea"/>
+                <a:cs typeface="+mn-cs"/>
+              </a:defRPr>
+            </a:lvl3pPr>
+            <a:lvl4pPr marL="1600200" indent="-228600" algn="l" defTabSz="457200" rtl="0" eaLnBrk="1" latinLnBrk="0" hangingPunct="1">
+              <a:spcBef>
+                <a:spcPts val="1000"/>
+              </a:spcBef>
+              <a:spcAft>
+                <a:spcPts val="0"/>
+              </a:spcAft>
+              <a:buClr>
+                <a:schemeClr val="accent1"/>
+              </a:buClr>
+              <a:buSzPct val="80000"/>
+              <a:buFont typeface="Wingdings 3" charset="2"/>
+              <a:buChar char=""/>
+              <a:defRPr sz="1200" b="0" i="0" kern="1200">
+                <a:solidFill>
+                  <a:schemeClr val="tx1">
+                    <a:lumMod val="75000"/>
+                    <a:lumOff val="25000"/>
+                  </a:schemeClr>
+                </a:solidFill>
+                <a:latin typeface="+mn-lt"/>
+                <a:ea typeface="+mn-ea"/>
+                <a:cs typeface="+mn-cs"/>
+              </a:defRPr>
+            </a:lvl4pPr>
+            <a:lvl5pPr marL="2057400" indent="-228600" algn="l" defTabSz="457200" rtl="0" eaLnBrk="1" latinLnBrk="0" hangingPunct="1">
+              <a:spcBef>
+                <a:spcPts val="1000"/>
+              </a:spcBef>
+              <a:spcAft>
+                <a:spcPts val="0"/>
+              </a:spcAft>
+              <a:buClr>
+                <a:schemeClr val="accent1"/>
+              </a:buClr>
+              <a:buSzPct val="80000"/>
+              <a:buFont typeface="Wingdings 3" charset="2"/>
+              <a:buChar char=""/>
+              <a:defRPr sz="1200" b="0" i="0" kern="1200">
+                <a:solidFill>
+                  <a:schemeClr val="tx1">
+                    <a:lumMod val="75000"/>
+                    <a:lumOff val="25000"/>
+                  </a:schemeClr>
+                </a:solidFill>
+                <a:latin typeface="+mn-lt"/>
+                <a:ea typeface="+mn-ea"/>
+                <a:cs typeface="+mn-cs"/>
+              </a:defRPr>
+            </a:lvl5pPr>
+            <a:lvl6pPr marL="2514600" indent="-228600" algn="l" defTabSz="457200" rtl="0" eaLnBrk="1" latinLnBrk="0" hangingPunct="1">
+              <a:spcBef>
+                <a:spcPts val="1000"/>
+              </a:spcBef>
+              <a:spcAft>
+                <a:spcPts val="0"/>
+              </a:spcAft>
+              <a:buClr>
+                <a:schemeClr val="accent1"/>
+              </a:buClr>
+              <a:buSzPct val="80000"/>
+              <a:buFont typeface="Wingdings 3" charset="2"/>
+              <a:buChar char=""/>
+              <a:defRPr sz="1200" b="0" i="0" kern="1200">
+                <a:solidFill>
+                  <a:schemeClr val="tx1">
+                    <a:lumMod val="75000"/>
+                    <a:lumOff val="25000"/>
+                  </a:schemeClr>
+                </a:solidFill>
+                <a:latin typeface="+mn-lt"/>
+                <a:ea typeface="+mn-ea"/>
+                <a:cs typeface="+mn-cs"/>
+              </a:defRPr>
+            </a:lvl6pPr>
+            <a:lvl7pPr marL="2971800" indent="-228600" algn="l" defTabSz="457200" rtl="0" eaLnBrk="1" latinLnBrk="0" hangingPunct="1">
+              <a:spcBef>
+                <a:spcPts val="1000"/>
+              </a:spcBef>
+              <a:spcAft>
+                <a:spcPts val="0"/>
+              </a:spcAft>
+              <a:buClr>
+                <a:schemeClr val="accent1"/>
+              </a:buClr>
+              <a:buSzPct val="80000"/>
+              <a:buFont typeface="Wingdings 3" charset="2"/>
+              <a:buChar char=""/>
+              <a:defRPr sz="1200" b="0" i="0" kern="1200">
+                <a:solidFill>
+                  <a:schemeClr val="tx1">
+                    <a:lumMod val="75000"/>
+                    <a:lumOff val="25000"/>
+                  </a:schemeClr>
+                </a:solidFill>
+                <a:latin typeface="+mn-lt"/>
+                <a:ea typeface="+mn-ea"/>
+                <a:cs typeface="+mn-cs"/>
+              </a:defRPr>
+            </a:lvl7pPr>
+            <a:lvl8pPr marL="3429000" indent="-228600" algn="l" defTabSz="457200" rtl="0" eaLnBrk="1" latinLnBrk="0" hangingPunct="1">
+              <a:spcBef>
+                <a:spcPts val="1000"/>
+              </a:spcBef>
+              <a:spcAft>
+                <a:spcPts val="0"/>
+              </a:spcAft>
+              <a:buClr>
+                <a:schemeClr val="accent1"/>
+              </a:buClr>
+              <a:buSzPct val="80000"/>
+              <a:buFont typeface="Wingdings 3" charset="2"/>
+              <a:buChar char=""/>
+              <a:defRPr sz="1200" b="0" i="0" kern="1200">
+                <a:solidFill>
+                  <a:schemeClr val="tx1">
+                    <a:lumMod val="75000"/>
+                    <a:lumOff val="25000"/>
+                  </a:schemeClr>
+                </a:solidFill>
+                <a:latin typeface="+mn-lt"/>
+                <a:ea typeface="+mn-ea"/>
+                <a:cs typeface="+mn-cs"/>
+              </a:defRPr>
+            </a:lvl8pPr>
+            <a:lvl9pPr marL="3886200" indent="-228600" algn="l" defTabSz="457200" rtl="0" eaLnBrk="1" latinLnBrk="0" hangingPunct="1">
+              <a:spcBef>
+                <a:spcPts val="1000"/>
+              </a:spcBef>
+              <a:spcAft>
+                <a:spcPts val="0"/>
+              </a:spcAft>
+              <a:buClr>
+                <a:schemeClr val="accent1"/>
+              </a:buClr>
+              <a:buSzPct val="80000"/>
+              <a:buFont typeface="Wingdings 3" charset="2"/>
+              <a:buChar char=""/>
+              <a:defRPr sz="1200" b="0" i="0" kern="1200">
+                <a:solidFill>
+                  <a:schemeClr val="tx1">
+                    <a:lumMod val="75000"/>
+                    <a:lumOff val="25000"/>
+                  </a:schemeClr>
+                </a:solidFill>
+                <a:latin typeface="+mn-lt"/>
+                <a:ea typeface="+mn-ea"/>
+                <a:cs typeface="+mn-cs"/>
+              </a:defRPr>
+            </a:lvl9pPr>
+          </a:lstStyle>
+          <a:p>
+            <a:pPr>
+              <a:buFont typeface="Wingdings" panose="05000000000000000000" pitchFamily="2" charset="2"/>
+              <a:buChar char="Ø"/>
+            </a:pPr>
+            <a:r>
+              <a:rPr lang="sr-Latn-RS" dirty="0">
+                <a:solidFill>
+                  <a:schemeClr val="tx1"/>
+                </a:solidFill>
+                <a:latin typeface="Calibri" panose="020F0502020204030204" pitchFamily="34" charset="0"/>
+                <a:ea typeface="Times New Roman" panose="02020603050405020304" pitchFamily="18" charset="0"/>
+                <a:cs typeface="Arial" panose="020B0604020202020204" pitchFamily="34" charset="0"/>
+              </a:rPr>
+              <a:t>Free-tier godinu dana</a:t>
+            </a:r>
+          </a:p>
+          <a:p>
+            <a:pPr>
+              <a:buFont typeface="Wingdings" panose="05000000000000000000" pitchFamily="2" charset="2"/>
+              <a:buChar char="Ø"/>
+            </a:pPr>
+            <a:r>
+              <a:rPr lang="sr-Latn-RS" dirty="0">
+                <a:solidFill>
+                  <a:schemeClr val="tx1"/>
+                </a:solidFill>
+                <a:latin typeface="Calibri" panose="020F0502020204030204" pitchFamily="34" charset="0"/>
+                <a:ea typeface="Times New Roman" panose="02020603050405020304" pitchFamily="18" charset="0"/>
+                <a:cs typeface="Arial" panose="020B0604020202020204" pitchFamily="34" charset="0"/>
+              </a:rPr>
+              <a:t>Pay as you go</a:t>
+            </a:r>
+          </a:p>
+        </p:txBody>
+      </p:sp>
+      <p:sp>
+        <p:nvSpPr>
+          <p:cNvPr id="9" name="Content Placeholder 2">
+            <a:extLst>
+              <a:ext uri="{FF2B5EF4-FFF2-40B4-BE49-F238E27FC236}">
+                <a16:creationId xmlns:a16="http://schemas.microsoft.com/office/drawing/2014/main" id="{A2E25A0B-3D72-4774-B6E2-8425BFB764D0}"/>
+              </a:ext>
+            </a:extLst>
+          </p:cNvPr>
+          <p:cNvSpPr txBox="1">
+            <a:spLocks/>
+          </p:cNvSpPr>
+          <p:nvPr/>
+        </p:nvSpPr>
+        <p:spPr>
+          <a:xfrm>
+            <a:off x="6420692" y="5058302"/>
+            <a:ext cx="3534492" cy="1531937"/>
+          </a:xfrm>
+          <a:prstGeom prst="rect">
+            <a:avLst/>
+          </a:prstGeom>
+        </p:spPr>
+        <p:txBody>
+          <a:bodyPr vert="horz" lIns="91440" tIns="45720" rIns="91440" bIns="45720" rtlCol="0">
+            <a:normAutofit/>
+          </a:bodyPr>
+          <a:lstStyle>
+            <a:lvl1pPr marL="342900" indent="-342900" algn="l" defTabSz="457200" rtl="0" eaLnBrk="1" latinLnBrk="0" hangingPunct="1">
+              <a:spcBef>
+                <a:spcPts val="1000"/>
+              </a:spcBef>
+              <a:spcAft>
+                <a:spcPts val="0"/>
+              </a:spcAft>
+              <a:buClr>
+                <a:schemeClr val="accent1"/>
+              </a:buClr>
+              <a:buSzPct val="80000"/>
+              <a:buFont typeface="Wingdings 3" charset="2"/>
+              <a:buChar char=""/>
+              <a:defRPr sz="1800" b="0" i="0" kern="1200">
+                <a:solidFill>
+                  <a:schemeClr val="tx1">
+                    <a:lumMod val="75000"/>
+                    <a:lumOff val="25000"/>
+                  </a:schemeClr>
+                </a:solidFill>
+                <a:latin typeface="+mn-lt"/>
+                <a:ea typeface="+mn-ea"/>
+                <a:cs typeface="+mn-cs"/>
+              </a:defRPr>
+            </a:lvl1pPr>
+            <a:lvl2pPr marL="742950" indent="-285750" algn="l" defTabSz="457200" rtl="0" eaLnBrk="1" latinLnBrk="0" hangingPunct="1">
+              <a:spcBef>
+                <a:spcPts val="1000"/>
+              </a:spcBef>
+              <a:spcAft>
+                <a:spcPts val="0"/>
+              </a:spcAft>
+              <a:buClr>
+                <a:schemeClr val="accent1"/>
+              </a:buClr>
+              <a:buSzPct val="80000"/>
+              <a:buFont typeface="Wingdings 3" charset="2"/>
+              <a:buChar char=""/>
+              <a:defRPr sz="1600" b="0" i="0" kern="1200">
+                <a:solidFill>
+                  <a:schemeClr val="tx1">
+                    <a:lumMod val="75000"/>
+                    <a:lumOff val="25000"/>
+                  </a:schemeClr>
+                </a:solidFill>
+                <a:latin typeface="+mn-lt"/>
+                <a:ea typeface="+mn-ea"/>
+                <a:cs typeface="+mn-cs"/>
+              </a:defRPr>
+            </a:lvl2pPr>
+            <a:lvl3pPr marL="1143000" indent="-228600" algn="l" defTabSz="457200" rtl="0" eaLnBrk="1" latinLnBrk="0" hangingPunct="1">
+              <a:spcBef>
+                <a:spcPts val="1000"/>
+              </a:spcBef>
+              <a:spcAft>
+                <a:spcPts val="0"/>
+              </a:spcAft>
+              <a:buClr>
+                <a:schemeClr val="accent1"/>
+              </a:buClr>
+              <a:buSzPct val="80000"/>
+              <a:buFont typeface="Wingdings 3" charset="2"/>
+              <a:buChar char=""/>
+              <a:defRPr sz="1400" b="0" i="0" kern="1200">
+                <a:solidFill>
+                  <a:schemeClr val="tx1">
+                    <a:lumMod val="75000"/>
+                    <a:lumOff val="25000"/>
+                  </a:schemeClr>
+                </a:solidFill>
+                <a:latin typeface="+mn-lt"/>
+                <a:ea typeface="+mn-ea"/>
+                <a:cs typeface="+mn-cs"/>
+              </a:defRPr>
+            </a:lvl3pPr>
+            <a:lvl4pPr marL="1600200" indent="-228600" algn="l" defTabSz="457200" rtl="0" eaLnBrk="1" latinLnBrk="0" hangingPunct="1">
+              <a:spcBef>
+                <a:spcPts val="1000"/>
+              </a:spcBef>
+              <a:spcAft>
+                <a:spcPts val="0"/>
+              </a:spcAft>
+              <a:buClr>
+                <a:schemeClr val="accent1"/>
+              </a:buClr>
+              <a:buSzPct val="80000"/>
+              <a:buFont typeface="Wingdings 3" charset="2"/>
+              <a:buChar char=""/>
+              <a:defRPr sz="1200" b="0" i="0" kern="1200">
+                <a:solidFill>
+                  <a:schemeClr val="tx1">
+                    <a:lumMod val="75000"/>
+                    <a:lumOff val="25000"/>
+                  </a:schemeClr>
+                </a:solidFill>
+                <a:latin typeface="+mn-lt"/>
+                <a:ea typeface="+mn-ea"/>
+                <a:cs typeface="+mn-cs"/>
+              </a:defRPr>
+            </a:lvl4pPr>
+            <a:lvl5pPr marL="2057400" indent="-228600" algn="l" defTabSz="457200" rtl="0" eaLnBrk="1" latinLnBrk="0" hangingPunct="1">
+              <a:spcBef>
+                <a:spcPts val="1000"/>
+              </a:spcBef>
+              <a:spcAft>
+                <a:spcPts val="0"/>
+              </a:spcAft>
+              <a:buClr>
+                <a:schemeClr val="accent1"/>
+              </a:buClr>
+              <a:buSzPct val="80000"/>
+              <a:buFont typeface="Wingdings 3" charset="2"/>
+              <a:buChar char=""/>
+              <a:defRPr sz="1200" b="0" i="0" kern="1200">
+                <a:solidFill>
+                  <a:schemeClr val="tx1">
+                    <a:lumMod val="75000"/>
+                    <a:lumOff val="25000"/>
+                  </a:schemeClr>
+                </a:solidFill>
+                <a:latin typeface="+mn-lt"/>
+                <a:ea typeface="+mn-ea"/>
+                <a:cs typeface="+mn-cs"/>
+              </a:defRPr>
+            </a:lvl5pPr>
+            <a:lvl6pPr marL="2514600" indent="-228600" algn="l" defTabSz="457200" rtl="0" eaLnBrk="1" latinLnBrk="0" hangingPunct="1">
+              <a:spcBef>
+                <a:spcPts val="1000"/>
+              </a:spcBef>
+              <a:spcAft>
+                <a:spcPts val="0"/>
+              </a:spcAft>
+              <a:buClr>
+                <a:schemeClr val="accent1"/>
+              </a:buClr>
+              <a:buSzPct val="80000"/>
+              <a:buFont typeface="Wingdings 3" charset="2"/>
+              <a:buChar char=""/>
+              <a:defRPr sz="1200" b="0" i="0" kern="1200">
+                <a:solidFill>
+                  <a:schemeClr val="tx1">
+                    <a:lumMod val="75000"/>
+                    <a:lumOff val="25000"/>
+                  </a:schemeClr>
+                </a:solidFill>
+                <a:latin typeface="+mn-lt"/>
+                <a:ea typeface="+mn-ea"/>
+                <a:cs typeface="+mn-cs"/>
+              </a:defRPr>
+            </a:lvl6pPr>
+            <a:lvl7pPr marL="2971800" indent="-228600" algn="l" defTabSz="457200" rtl="0" eaLnBrk="1" latinLnBrk="0" hangingPunct="1">
+              <a:spcBef>
+                <a:spcPts val="1000"/>
+              </a:spcBef>
+              <a:spcAft>
+                <a:spcPts val="0"/>
+              </a:spcAft>
+              <a:buClr>
+                <a:schemeClr val="accent1"/>
+              </a:buClr>
+              <a:buSzPct val="80000"/>
+              <a:buFont typeface="Wingdings 3" charset="2"/>
+              <a:buChar char=""/>
+              <a:defRPr sz="1200" b="0" i="0" kern="1200">
+                <a:solidFill>
+                  <a:schemeClr val="tx1">
+                    <a:lumMod val="75000"/>
+                    <a:lumOff val="25000"/>
+                  </a:schemeClr>
+                </a:solidFill>
+                <a:latin typeface="+mn-lt"/>
+                <a:ea typeface="+mn-ea"/>
+                <a:cs typeface="+mn-cs"/>
+              </a:defRPr>
+            </a:lvl7pPr>
+            <a:lvl8pPr marL="3429000" indent="-228600" algn="l" defTabSz="457200" rtl="0" eaLnBrk="1" latinLnBrk="0" hangingPunct="1">
+              <a:spcBef>
+                <a:spcPts val="1000"/>
+              </a:spcBef>
+              <a:spcAft>
+                <a:spcPts val="0"/>
+              </a:spcAft>
+              <a:buClr>
+                <a:schemeClr val="accent1"/>
+              </a:buClr>
+              <a:buSzPct val="80000"/>
+              <a:buFont typeface="Wingdings 3" charset="2"/>
+              <a:buChar char=""/>
+              <a:defRPr sz="1200" b="0" i="0" kern="1200">
+                <a:solidFill>
+                  <a:schemeClr val="tx1">
+                    <a:lumMod val="75000"/>
+                    <a:lumOff val="25000"/>
+                  </a:schemeClr>
+                </a:solidFill>
+                <a:latin typeface="+mn-lt"/>
+                <a:ea typeface="+mn-ea"/>
+                <a:cs typeface="+mn-cs"/>
+              </a:defRPr>
+            </a:lvl8pPr>
+            <a:lvl9pPr marL="3886200" indent="-228600" algn="l" defTabSz="457200" rtl="0" eaLnBrk="1" latinLnBrk="0" hangingPunct="1">
+              <a:spcBef>
+                <a:spcPts val="1000"/>
+              </a:spcBef>
+              <a:spcAft>
+                <a:spcPts val="0"/>
+              </a:spcAft>
+              <a:buClr>
+                <a:schemeClr val="accent1"/>
+              </a:buClr>
+              <a:buSzPct val="80000"/>
+              <a:buFont typeface="Wingdings 3" charset="2"/>
+              <a:buChar char=""/>
+              <a:defRPr sz="1200" b="0" i="0" kern="1200">
+                <a:solidFill>
+                  <a:schemeClr val="tx1">
+                    <a:lumMod val="75000"/>
+                    <a:lumOff val="25000"/>
+                  </a:schemeClr>
+                </a:solidFill>
+                <a:latin typeface="+mn-lt"/>
+                <a:ea typeface="+mn-ea"/>
+                <a:cs typeface="+mn-cs"/>
+              </a:defRPr>
+            </a:lvl9pPr>
+          </a:lstStyle>
+          <a:p>
+            <a:pPr>
+              <a:buFont typeface="Wingdings" panose="05000000000000000000" pitchFamily="2" charset="2"/>
+              <a:buChar char="Ø"/>
+            </a:pPr>
+            <a:r>
+              <a:rPr lang="sr-Latn-RS" dirty="0">
+                <a:solidFill>
+                  <a:schemeClr val="tx1"/>
+                </a:solidFill>
+                <a:latin typeface="Calibri" panose="020F0502020204030204" pitchFamily="34" charset="0"/>
+                <a:ea typeface="Times New Roman" panose="02020603050405020304" pitchFamily="18" charset="0"/>
+                <a:cs typeface="Arial" panose="020B0604020202020204" pitchFamily="34" charset="0"/>
+              </a:rPr>
+              <a:t>Free trail mesec dana</a:t>
+            </a:r>
+          </a:p>
+          <a:p>
+            <a:pPr>
+              <a:buFont typeface="Wingdings" panose="05000000000000000000" pitchFamily="2" charset="2"/>
+              <a:buChar char="Ø"/>
+            </a:pPr>
+            <a:r>
+              <a:rPr lang="sr-Latn-RS" dirty="0">
+                <a:solidFill>
+                  <a:schemeClr val="tx1"/>
+                </a:solidFill>
+                <a:latin typeface="Calibri" panose="020F0502020204030204" pitchFamily="34" charset="0"/>
+                <a:ea typeface="Times New Roman" panose="02020603050405020304" pitchFamily="18" charset="0"/>
+                <a:cs typeface="Arial" panose="020B0604020202020204" pitchFamily="34" charset="0"/>
+              </a:rPr>
+              <a:t>Pay as you go</a:t>
+            </a:r>
+          </a:p>
+        </p:txBody>
+      </p:sp>
+    </p:spTree>
+    <p:extLst>
+      <p:ext uri="{BB962C8B-B14F-4D97-AF65-F5344CB8AC3E}">
+        <p14:creationId xmlns:p14="http://schemas.microsoft.com/office/powerpoint/2010/main" val="381556631"/>
+      </p:ext>
+    </p:extLst>
+  </p:cSld>
+  <p:clrMapOvr>
+    <a:masterClrMapping/>
+  </p:clrMapOvr>
+</p:sld>
+</file>
+
+<file path=ppt/slides/slide24.xml><?xml version="1.0" encoding="utf-8"?>
+<p:sld xmlns:a="http://schemas.openxmlformats.org/drawingml/2006/main" xmlns:r="http://schemas.openxmlformats.org/officeDocument/2006/relationships" xmlns:p="http://schemas.openxmlformats.org/presentationml/2006/main">
+  <p:cSld>
+    <p:spTree>
+      <p:nvGrpSpPr>
+        <p:cNvPr id="1" name=""/>
+        <p:cNvGrpSpPr/>
+        <p:nvPr/>
+      </p:nvGrpSpPr>
+      <p:grpSpPr>
+        <a:xfrm>
+          <a:off x="0" y="0"/>
+          <a:ext cx="0" cy="0"/>
+          <a:chOff x="0" y="0"/>
+          <a:chExt cx="0" cy="0"/>
+        </a:xfrm>
+      </p:grpSpPr>
+      <p:sp>
+        <p:nvSpPr>
+          <p:cNvPr id="2" name="Title 1">
+            <a:extLst>
+              <a:ext uri="{FF2B5EF4-FFF2-40B4-BE49-F238E27FC236}">
+                <a16:creationId xmlns:a16="http://schemas.microsoft.com/office/drawing/2014/main" id="{D7EBF29A-AFFA-4DBD-B517-CD44ADCA9692}"/>
+              </a:ext>
+            </a:extLst>
+          </p:cNvPr>
+          <p:cNvSpPr>
+            <a:spLocks noGrp="1"/>
+          </p:cNvSpPr>
+          <p:nvPr>
+            <p:ph type="title"/>
+          </p:nvPr>
+        </p:nvSpPr>
+        <p:spPr/>
+        <p:txBody>
+          <a:bodyPr/>
+          <a:lstStyle/>
+          <a:p>
+            <a:pPr algn="ctr"/>
+            <a:r>
+              <a:rPr lang="sr-Latn-RS" dirty="0"/>
+              <a:t>Završna reč</a:t>
+            </a:r>
+            <a:endParaRPr lang="en-US" dirty="0"/>
+          </a:p>
+        </p:txBody>
+      </p:sp>
+      <p:sp>
+        <p:nvSpPr>
+          <p:cNvPr id="7" name="Content Placeholder 6">
+            <a:extLst>
+              <a:ext uri="{FF2B5EF4-FFF2-40B4-BE49-F238E27FC236}">
+                <a16:creationId xmlns:a16="http://schemas.microsoft.com/office/drawing/2014/main" id="{A676B073-6B0C-452D-8EC1-15DC6CF07B41}"/>
+              </a:ext>
+            </a:extLst>
+          </p:cNvPr>
+          <p:cNvSpPr>
+            <a:spLocks noGrp="1"/>
+          </p:cNvSpPr>
+          <p:nvPr>
+            <p:ph idx="1"/>
+          </p:nvPr>
+        </p:nvSpPr>
+        <p:spPr/>
+        <p:txBody>
+          <a:bodyPr anchor="ctr"/>
+          <a:lstStyle/>
+          <a:p>
+            <a:r>
+              <a:rPr lang="sr-Latn-RS" dirty="0"/>
+              <a:t>Unity networking, SpatialOS i Photon pružaju lako i pouzdano kreiranje multiplayer igara. Pogodni za male timove.</a:t>
+            </a:r>
+          </a:p>
+          <a:p>
+            <a:r>
+              <a:rPr lang="sr-Latn-RS" dirty="0"/>
+              <a:t>Loadbalancing i </a:t>
+            </a:r>
+            <a:r>
+              <a:rPr lang="en-US" b="0" i="0" dirty="0">
+                <a:solidFill>
+                  <a:srgbClr val="333333"/>
+                </a:solidFill>
+                <a:effectLst/>
+              </a:rPr>
+              <a:t>pay-as-you-go</a:t>
+            </a:r>
+            <a:r>
+              <a:rPr lang="sr-Latn-RS" b="0" i="0" dirty="0">
+                <a:solidFill>
+                  <a:srgbClr val="333333"/>
+                </a:solidFill>
+                <a:effectLst/>
+              </a:rPr>
+              <a:t> su od krucialnog značaja za male studije koji zele da dosegnu što veću publiku uz malo novčanih sredstava.</a:t>
+            </a:r>
+          </a:p>
+          <a:p>
+            <a:r>
+              <a:rPr lang="sr-Latn-RS" dirty="0">
+                <a:solidFill>
+                  <a:srgbClr val="333333"/>
+                </a:solidFill>
+              </a:rPr>
+              <a:t>Unity kao engine postaje sve zastupljeniji i pouzdaniji. Unity zajednica je najrazvijenija u odnosu na ostala rešenja, na sta ukazuju brojni tutoriali na internetu.</a:t>
+            </a:r>
+            <a:endParaRPr lang="en-US" dirty="0"/>
+          </a:p>
+        </p:txBody>
+      </p:sp>
+      <p:pic>
+        <p:nvPicPr>
+          <p:cNvPr id="9" name="Picture 8">
+            <a:extLst>
+              <a:ext uri="{FF2B5EF4-FFF2-40B4-BE49-F238E27FC236}">
+                <a16:creationId xmlns:a16="http://schemas.microsoft.com/office/drawing/2014/main" id="{15B9DA74-7792-4B0B-9F20-93CC3A4D6417}"/>
+              </a:ext>
+            </a:extLst>
+          </p:cNvPr>
+          <p:cNvPicPr>
+            <a:picLocks noChangeAspect="1"/>
+          </p:cNvPicPr>
+          <p:nvPr/>
+        </p:nvPicPr>
+        <p:blipFill>
+          <a:blip r:embed="rId2">
+            <a:clrChange>
+              <a:clrFrom>
+                <a:srgbClr val="F3F3F3"/>
+              </a:clrFrom>
+              <a:clrTo>
+                <a:srgbClr val="F3F3F3">
+                  <a:alpha val="0"/>
+                </a:srgbClr>
+              </a:clrTo>
+            </a:clrChange>
+            <a:extLst>
+              <a:ext uri="{28A0092B-C50C-407E-A947-70E740481C1C}">
+                <a14:useLocalDpi xmlns:a14="http://schemas.microsoft.com/office/drawing/2010/main" val="0"/>
+              </a:ext>
+            </a:extLst>
+          </a:blip>
+          <a:stretch>
+            <a:fillRect/>
+          </a:stretch>
+        </p:blipFill>
+        <p:spPr>
+          <a:xfrm>
+            <a:off x="9249952" y="4755593"/>
+            <a:ext cx="2942126" cy="2102407"/>
+          </a:xfrm>
+          <a:prstGeom prst="rect">
+            <a:avLst/>
+          </a:prstGeom>
+        </p:spPr>
+      </p:pic>
+    </p:spTree>
+    <p:extLst>
+      <p:ext uri="{BB962C8B-B14F-4D97-AF65-F5344CB8AC3E}">
+        <p14:creationId xmlns:p14="http://schemas.microsoft.com/office/powerpoint/2010/main" val="3278037968"/>
+      </p:ext>
+    </p:extLst>
+  </p:cSld>
+  <p:clrMapOvr>
+    <a:masterClrMapping/>
+  </p:clrMapOvr>
+</p:sld>
+</file>
+
+<file path=ppt/slides/slide3.xml><?xml version="1.0" encoding="utf-8"?>
 <p:sld xmlns:a="http://schemas.openxmlformats.org/drawingml/2006/main" xmlns:r="http://schemas.openxmlformats.org/officeDocument/2006/relationships" xmlns:p="http://schemas.openxmlformats.org/presentationml/2006/main">
   <p:cSld>
     <p:spTree>
@@ -15531,921 +17249,7 @@
 </p:sld>
 </file>
 
-<file path=ppt/slides/slide20.xml><?xml version="1.0" encoding="utf-8"?>
-<p:sld xmlns:a="http://schemas.openxmlformats.org/drawingml/2006/main" xmlns:r="http://schemas.openxmlformats.org/officeDocument/2006/relationships" xmlns:p="http://schemas.openxmlformats.org/presentationml/2006/main">
-  <p:cSld>
-    <p:spTree>
-      <p:nvGrpSpPr>
-        <p:cNvPr id="1" name=""/>
-        <p:cNvGrpSpPr/>
-        <p:nvPr/>
-      </p:nvGrpSpPr>
-      <p:grpSpPr>
-        <a:xfrm>
-          <a:off x="0" y="0"/>
-          <a:ext cx="0" cy="0"/>
-          <a:chOff x="0" y="0"/>
-          <a:chExt cx="0" cy="0"/>
-        </a:xfrm>
-      </p:grpSpPr>
-      <p:sp>
-        <p:nvSpPr>
-          <p:cNvPr id="2" name="Title 1">
-            <a:extLst>
-              <a:ext uri="{FF2B5EF4-FFF2-40B4-BE49-F238E27FC236}">
-                <a16:creationId xmlns:a16="http://schemas.microsoft.com/office/drawing/2014/main" id="{5E9B4466-F4C8-4057-8F0C-AE44255C59CD}"/>
-              </a:ext>
-            </a:extLst>
-          </p:cNvPr>
-          <p:cNvSpPr>
-            <a:spLocks noGrp="1"/>
-          </p:cNvSpPr>
-          <p:nvPr>
-            <p:ph type="title"/>
-          </p:nvPr>
-        </p:nvSpPr>
-        <p:spPr/>
-        <p:txBody>
-          <a:bodyPr/>
-          <a:lstStyle/>
-          <a:p>
-            <a:pPr algn="ctr"/>
-            <a:r>
-              <a:rPr lang="sr-Latn-RS" dirty="0"/>
-              <a:t>Hosting opcije</a:t>
-            </a:r>
-            <a:endParaRPr lang="en-US" dirty="0"/>
-          </a:p>
-        </p:txBody>
-      </p:sp>
-      <p:pic>
-        <p:nvPicPr>
-          <p:cNvPr id="5" name="Content Placeholder 4">
-            <a:extLst>
-              <a:ext uri="{FF2B5EF4-FFF2-40B4-BE49-F238E27FC236}">
-                <a16:creationId xmlns:a16="http://schemas.microsoft.com/office/drawing/2014/main" id="{1EB60EB8-F41E-4D09-914C-28FB846026E4}"/>
-              </a:ext>
-            </a:extLst>
-          </p:cNvPr>
-          <p:cNvPicPr>
-            <a:picLocks noGrp="1" noChangeAspect="1"/>
-          </p:cNvPicPr>
-          <p:nvPr>
-            <p:ph idx="1"/>
-          </p:nvPr>
-        </p:nvPicPr>
-        <p:blipFill>
-          <a:blip r:embed="rId2">
-            <a:extLst>
-              <a:ext uri="{28A0092B-C50C-407E-A947-70E740481C1C}">
-                <a14:useLocalDpi xmlns:a14="http://schemas.microsoft.com/office/drawing/2010/main" val="0"/>
-              </a:ext>
-            </a:extLst>
-          </a:blip>
-          <a:stretch>
-            <a:fillRect/>
-          </a:stretch>
-        </p:blipFill>
-        <p:spPr>
-          <a:xfrm>
-            <a:off x="6420692" y="3482974"/>
-            <a:ext cx="3495675" cy="1304925"/>
-          </a:xfrm>
-        </p:spPr>
-      </p:pic>
-      <p:pic>
-        <p:nvPicPr>
-          <p:cNvPr id="7" name="Picture 6">
-            <a:extLst>
-              <a:ext uri="{FF2B5EF4-FFF2-40B4-BE49-F238E27FC236}">
-                <a16:creationId xmlns:a16="http://schemas.microsoft.com/office/drawing/2014/main" id="{DF33ACE1-5911-40F8-9F9D-D8FB01313B1D}"/>
-              </a:ext>
-            </a:extLst>
-          </p:cNvPr>
-          <p:cNvPicPr>
-            <a:picLocks noChangeAspect="1"/>
-          </p:cNvPicPr>
-          <p:nvPr/>
-        </p:nvPicPr>
-        <p:blipFill>
-          <a:blip r:embed="rId3">
-            <a:extLst>
-              <a:ext uri="{28A0092B-C50C-407E-A947-70E740481C1C}">
-                <a14:useLocalDpi xmlns:a14="http://schemas.microsoft.com/office/drawing/2010/main" val="0"/>
-              </a:ext>
-            </a:extLst>
-          </a:blip>
-          <a:stretch>
-            <a:fillRect/>
-          </a:stretch>
-        </p:blipFill>
-        <p:spPr>
-          <a:xfrm>
-            <a:off x="1230455" y="3306761"/>
-            <a:ext cx="2762250" cy="1657350"/>
-          </a:xfrm>
-          <a:prstGeom prst="rect">
-            <a:avLst/>
-          </a:prstGeom>
-        </p:spPr>
-      </p:pic>
-      <p:sp>
-        <p:nvSpPr>
-          <p:cNvPr id="8" name="Content Placeholder 2">
-            <a:extLst>
-              <a:ext uri="{FF2B5EF4-FFF2-40B4-BE49-F238E27FC236}">
-                <a16:creationId xmlns:a16="http://schemas.microsoft.com/office/drawing/2014/main" id="{17DA36F7-4240-4229-A8BF-37BF2D1840EA}"/>
-              </a:ext>
-            </a:extLst>
-          </p:cNvPr>
-          <p:cNvSpPr txBox="1">
-            <a:spLocks/>
-          </p:cNvSpPr>
-          <p:nvPr/>
-        </p:nvSpPr>
-        <p:spPr>
-          <a:xfrm>
-            <a:off x="1154955" y="5058303"/>
-            <a:ext cx="3534492" cy="1531937"/>
-          </a:xfrm>
-          <a:prstGeom prst="rect">
-            <a:avLst/>
-          </a:prstGeom>
-        </p:spPr>
-        <p:txBody>
-          <a:bodyPr vert="horz" lIns="91440" tIns="45720" rIns="91440" bIns="45720" rtlCol="0">
-            <a:normAutofit/>
-          </a:bodyPr>
-          <a:lstStyle>
-            <a:lvl1pPr marL="342900" indent="-342900" algn="l" defTabSz="457200" rtl="0" eaLnBrk="1" latinLnBrk="0" hangingPunct="1">
-              <a:spcBef>
-                <a:spcPts val="1000"/>
-              </a:spcBef>
-              <a:spcAft>
-                <a:spcPts val="0"/>
-              </a:spcAft>
-              <a:buClr>
-                <a:schemeClr val="accent1"/>
-              </a:buClr>
-              <a:buSzPct val="80000"/>
-              <a:buFont typeface="Wingdings 3" charset="2"/>
-              <a:buChar char=""/>
-              <a:defRPr sz="1800" b="0" i="0" kern="1200">
-                <a:solidFill>
-                  <a:schemeClr val="tx1">
-                    <a:lumMod val="75000"/>
-                    <a:lumOff val="25000"/>
-                  </a:schemeClr>
-                </a:solidFill>
-                <a:latin typeface="+mn-lt"/>
-                <a:ea typeface="+mn-ea"/>
-                <a:cs typeface="+mn-cs"/>
-              </a:defRPr>
-            </a:lvl1pPr>
-            <a:lvl2pPr marL="742950" indent="-285750" algn="l" defTabSz="457200" rtl="0" eaLnBrk="1" latinLnBrk="0" hangingPunct="1">
-              <a:spcBef>
-                <a:spcPts val="1000"/>
-              </a:spcBef>
-              <a:spcAft>
-                <a:spcPts val="0"/>
-              </a:spcAft>
-              <a:buClr>
-                <a:schemeClr val="accent1"/>
-              </a:buClr>
-              <a:buSzPct val="80000"/>
-              <a:buFont typeface="Wingdings 3" charset="2"/>
-              <a:buChar char=""/>
-              <a:defRPr sz="1600" b="0" i="0" kern="1200">
-                <a:solidFill>
-                  <a:schemeClr val="tx1">
-                    <a:lumMod val="75000"/>
-                    <a:lumOff val="25000"/>
-                  </a:schemeClr>
-                </a:solidFill>
-                <a:latin typeface="+mn-lt"/>
-                <a:ea typeface="+mn-ea"/>
-                <a:cs typeface="+mn-cs"/>
-              </a:defRPr>
-            </a:lvl2pPr>
-            <a:lvl3pPr marL="1143000" indent="-228600" algn="l" defTabSz="457200" rtl="0" eaLnBrk="1" latinLnBrk="0" hangingPunct="1">
-              <a:spcBef>
-                <a:spcPts val="1000"/>
-              </a:spcBef>
-              <a:spcAft>
-                <a:spcPts val="0"/>
-              </a:spcAft>
-              <a:buClr>
-                <a:schemeClr val="accent1"/>
-              </a:buClr>
-              <a:buSzPct val="80000"/>
-              <a:buFont typeface="Wingdings 3" charset="2"/>
-              <a:buChar char=""/>
-              <a:defRPr sz="1400" b="0" i="0" kern="1200">
-                <a:solidFill>
-                  <a:schemeClr val="tx1">
-                    <a:lumMod val="75000"/>
-                    <a:lumOff val="25000"/>
-                  </a:schemeClr>
-                </a:solidFill>
-                <a:latin typeface="+mn-lt"/>
-                <a:ea typeface="+mn-ea"/>
-                <a:cs typeface="+mn-cs"/>
-              </a:defRPr>
-            </a:lvl3pPr>
-            <a:lvl4pPr marL="1600200" indent="-228600" algn="l" defTabSz="457200" rtl="0" eaLnBrk="1" latinLnBrk="0" hangingPunct="1">
-              <a:spcBef>
-                <a:spcPts val="1000"/>
-              </a:spcBef>
-              <a:spcAft>
-                <a:spcPts val="0"/>
-              </a:spcAft>
-              <a:buClr>
-                <a:schemeClr val="accent1"/>
-              </a:buClr>
-              <a:buSzPct val="80000"/>
-              <a:buFont typeface="Wingdings 3" charset="2"/>
-              <a:buChar char=""/>
-              <a:defRPr sz="1200" b="0" i="0" kern="1200">
-                <a:solidFill>
-                  <a:schemeClr val="tx1">
-                    <a:lumMod val="75000"/>
-                    <a:lumOff val="25000"/>
-                  </a:schemeClr>
-                </a:solidFill>
-                <a:latin typeface="+mn-lt"/>
-                <a:ea typeface="+mn-ea"/>
-                <a:cs typeface="+mn-cs"/>
-              </a:defRPr>
-            </a:lvl4pPr>
-            <a:lvl5pPr marL="2057400" indent="-228600" algn="l" defTabSz="457200" rtl="0" eaLnBrk="1" latinLnBrk="0" hangingPunct="1">
-              <a:spcBef>
-                <a:spcPts val="1000"/>
-              </a:spcBef>
-              <a:spcAft>
-                <a:spcPts val="0"/>
-              </a:spcAft>
-              <a:buClr>
-                <a:schemeClr val="accent1"/>
-              </a:buClr>
-              <a:buSzPct val="80000"/>
-              <a:buFont typeface="Wingdings 3" charset="2"/>
-              <a:buChar char=""/>
-              <a:defRPr sz="1200" b="0" i="0" kern="1200">
-                <a:solidFill>
-                  <a:schemeClr val="tx1">
-                    <a:lumMod val="75000"/>
-                    <a:lumOff val="25000"/>
-                  </a:schemeClr>
-                </a:solidFill>
-                <a:latin typeface="+mn-lt"/>
-                <a:ea typeface="+mn-ea"/>
-                <a:cs typeface="+mn-cs"/>
-              </a:defRPr>
-            </a:lvl5pPr>
-            <a:lvl6pPr marL="2514600" indent="-228600" algn="l" defTabSz="457200" rtl="0" eaLnBrk="1" latinLnBrk="0" hangingPunct="1">
-              <a:spcBef>
-                <a:spcPts val="1000"/>
-              </a:spcBef>
-              <a:spcAft>
-                <a:spcPts val="0"/>
-              </a:spcAft>
-              <a:buClr>
-                <a:schemeClr val="accent1"/>
-              </a:buClr>
-              <a:buSzPct val="80000"/>
-              <a:buFont typeface="Wingdings 3" charset="2"/>
-              <a:buChar char=""/>
-              <a:defRPr sz="1200" b="0" i="0" kern="1200">
-                <a:solidFill>
-                  <a:schemeClr val="tx1">
-                    <a:lumMod val="75000"/>
-                    <a:lumOff val="25000"/>
-                  </a:schemeClr>
-                </a:solidFill>
-                <a:latin typeface="+mn-lt"/>
-                <a:ea typeface="+mn-ea"/>
-                <a:cs typeface="+mn-cs"/>
-              </a:defRPr>
-            </a:lvl6pPr>
-            <a:lvl7pPr marL="2971800" indent="-228600" algn="l" defTabSz="457200" rtl="0" eaLnBrk="1" latinLnBrk="0" hangingPunct="1">
-              <a:spcBef>
-                <a:spcPts val="1000"/>
-              </a:spcBef>
-              <a:spcAft>
-                <a:spcPts val="0"/>
-              </a:spcAft>
-              <a:buClr>
-                <a:schemeClr val="accent1"/>
-              </a:buClr>
-              <a:buSzPct val="80000"/>
-              <a:buFont typeface="Wingdings 3" charset="2"/>
-              <a:buChar char=""/>
-              <a:defRPr sz="1200" b="0" i="0" kern="1200">
-                <a:solidFill>
-                  <a:schemeClr val="tx1">
-                    <a:lumMod val="75000"/>
-                    <a:lumOff val="25000"/>
-                  </a:schemeClr>
-                </a:solidFill>
-                <a:latin typeface="+mn-lt"/>
-                <a:ea typeface="+mn-ea"/>
-                <a:cs typeface="+mn-cs"/>
-              </a:defRPr>
-            </a:lvl7pPr>
-            <a:lvl8pPr marL="3429000" indent="-228600" algn="l" defTabSz="457200" rtl="0" eaLnBrk="1" latinLnBrk="0" hangingPunct="1">
-              <a:spcBef>
-                <a:spcPts val="1000"/>
-              </a:spcBef>
-              <a:spcAft>
-                <a:spcPts val="0"/>
-              </a:spcAft>
-              <a:buClr>
-                <a:schemeClr val="accent1"/>
-              </a:buClr>
-              <a:buSzPct val="80000"/>
-              <a:buFont typeface="Wingdings 3" charset="2"/>
-              <a:buChar char=""/>
-              <a:defRPr sz="1200" b="0" i="0" kern="1200">
-                <a:solidFill>
-                  <a:schemeClr val="tx1">
-                    <a:lumMod val="75000"/>
-                    <a:lumOff val="25000"/>
-                  </a:schemeClr>
-                </a:solidFill>
-                <a:latin typeface="+mn-lt"/>
-                <a:ea typeface="+mn-ea"/>
-                <a:cs typeface="+mn-cs"/>
-              </a:defRPr>
-            </a:lvl8pPr>
-            <a:lvl9pPr marL="3886200" indent="-228600" algn="l" defTabSz="457200" rtl="0" eaLnBrk="1" latinLnBrk="0" hangingPunct="1">
-              <a:spcBef>
-                <a:spcPts val="1000"/>
-              </a:spcBef>
-              <a:spcAft>
-                <a:spcPts val="0"/>
-              </a:spcAft>
-              <a:buClr>
-                <a:schemeClr val="accent1"/>
-              </a:buClr>
-              <a:buSzPct val="80000"/>
-              <a:buFont typeface="Wingdings 3" charset="2"/>
-              <a:buChar char=""/>
-              <a:defRPr sz="1200" b="0" i="0" kern="1200">
-                <a:solidFill>
-                  <a:schemeClr val="tx1">
-                    <a:lumMod val="75000"/>
-                    <a:lumOff val="25000"/>
-                  </a:schemeClr>
-                </a:solidFill>
-                <a:latin typeface="+mn-lt"/>
-                <a:ea typeface="+mn-ea"/>
-                <a:cs typeface="+mn-cs"/>
-              </a:defRPr>
-            </a:lvl9pPr>
-          </a:lstStyle>
-          <a:p>
-            <a:pPr>
-              <a:buFont typeface="Wingdings" panose="05000000000000000000" pitchFamily="2" charset="2"/>
-              <a:buChar char="Ø"/>
-            </a:pPr>
-            <a:r>
-              <a:rPr lang="sr-Latn-RS" dirty="0">
-                <a:solidFill>
-                  <a:schemeClr val="tx1"/>
-                </a:solidFill>
-                <a:latin typeface="Calibri" panose="020F0502020204030204" pitchFamily="34" charset="0"/>
-                <a:ea typeface="Times New Roman" panose="02020603050405020304" pitchFamily="18" charset="0"/>
-                <a:cs typeface="Arial" panose="020B0604020202020204" pitchFamily="34" charset="0"/>
-              </a:rPr>
-              <a:t>Free-tier godinu dana</a:t>
-            </a:r>
-          </a:p>
-          <a:p>
-            <a:pPr>
-              <a:buFont typeface="Wingdings" panose="05000000000000000000" pitchFamily="2" charset="2"/>
-              <a:buChar char="Ø"/>
-            </a:pPr>
-            <a:r>
-              <a:rPr lang="sr-Latn-RS" dirty="0">
-                <a:solidFill>
-                  <a:schemeClr val="tx1"/>
-                </a:solidFill>
-                <a:latin typeface="Calibri" panose="020F0502020204030204" pitchFamily="34" charset="0"/>
-                <a:ea typeface="Times New Roman" panose="02020603050405020304" pitchFamily="18" charset="0"/>
-                <a:cs typeface="Arial" panose="020B0604020202020204" pitchFamily="34" charset="0"/>
-              </a:rPr>
-              <a:t>Pay as you go</a:t>
-            </a:r>
-          </a:p>
-        </p:txBody>
-      </p:sp>
-      <p:sp>
-        <p:nvSpPr>
-          <p:cNvPr id="9" name="Content Placeholder 2">
-            <a:extLst>
-              <a:ext uri="{FF2B5EF4-FFF2-40B4-BE49-F238E27FC236}">
-                <a16:creationId xmlns:a16="http://schemas.microsoft.com/office/drawing/2014/main" id="{A2E25A0B-3D72-4774-B6E2-8425BFB764D0}"/>
-              </a:ext>
-            </a:extLst>
-          </p:cNvPr>
-          <p:cNvSpPr txBox="1">
-            <a:spLocks/>
-          </p:cNvSpPr>
-          <p:nvPr/>
-        </p:nvSpPr>
-        <p:spPr>
-          <a:xfrm>
-            <a:off x="6420692" y="5058302"/>
-            <a:ext cx="3534492" cy="1531937"/>
-          </a:xfrm>
-          <a:prstGeom prst="rect">
-            <a:avLst/>
-          </a:prstGeom>
-        </p:spPr>
-        <p:txBody>
-          <a:bodyPr vert="horz" lIns="91440" tIns="45720" rIns="91440" bIns="45720" rtlCol="0">
-            <a:normAutofit/>
-          </a:bodyPr>
-          <a:lstStyle>
-            <a:lvl1pPr marL="342900" indent="-342900" algn="l" defTabSz="457200" rtl="0" eaLnBrk="1" latinLnBrk="0" hangingPunct="1">
-              <a:spcBef>
-                <a:spcPts val="1000"/>
-              </a:spcBef>
-              <a:spcAft>
-                <a:spcPts val="0"/>
-              </a:spcAft>
-              <a:buClr>
-                <a:schemeClr val="accent1"/>
-              </a:buClr>
-              <a:buSzPct val="80000"/>
-              <a:buFont typeface="Wingdings 3" charset="2"/>
-              <a:buChar char=""/>
-              <a:defRPr sz="1800" b="0" i="0" kern="1200">
-                <a:solidFill>
-                  <a:schemeClr val="tx1">
-                    <a:lumMod val="75000"/>
-                    <a:lumOff val="25000"/>
-                  </a:schemeClr>
-                </a:solidFill>
-                <a:latin typeface="+mn-lt"/>
-                <a:ea typeface="+mn-ea"/>
-                <a:cs typeface="+mn-cs"/>
-              </a:defRPr>
-            </a:lvl1pPr>
-            <a:lvl2pPr marL="742950" indent="-285750" algn="l" defTabSz="457200" rtl="0" eaLnBrk="1" latinLnBrk="0" hangingPunct="1">
-              <a:spcBef>
-                <a:spcPts val="1000"/>
-              </a:spcBef>
-              <a:spcAft>
-                <a:spcPts val="0"/>
-              </a:spcAft>
-              <a:buClr>
-                <a:schemeClr val="accent1"/>
-              </a:buClr>
-              <a:buSzPct val="80000"/>
-              <a:buFont typeface="Wingdings 3" charset="2"/>
-              <a:buChar char=""/>
-              <a:defRPr sz="1600" b="0" i="0" kern="1200">
-                <a:solidFill>
-                  <a:schemeClr val="tx1">
-                    <a:lumMod val="75000"/>
-                    <a:lumOff val="25000"/>
-                  </a:schemeClr>
-                </a:solidFill>
-                <a:latin typeface="+mn-lt"/>
-                <a:ea typeface="+mn-ea"/>
-                <a:cs typeface="+mn-cs"/>
-              </a:defRPr>
-            </a:lvl2pPr>
-            <a:lvl3pPr marL="1143000" indent="-228600" algn="l" defTabSz="457200" rtl="0" eaLnBrk="1" latinLnBrk="0" hangingPunct="1">
-              <a:spcBef>
-                <a:spcPts val="1000"/>
-              </a:spcBef>
-              <a:spcAft>
-                <a:spcPts val="0"/>
-              </a:spcAft>
-              <a:buClr>
-                <a:schemeClr val="accent1"/>
-              </a:buClr>
-              <a:buSzPct val="80000"/>
-              <a:buFont typeface="Wingdings 3" charset="2"/>
-              <a:buChar char=""/>
-              <a:defRPr sz="1400" b="0" i="0" kern="1200">
-                <a:solidFill>
-                  <a:schemeClr val="tx1">
-                    <a:lumMod val="75000"/>
-                    <a:lumOff val="25000"/>
-                  </a:schemeClr>
-                </a:solidFill>
-                <a:latin typeface="+mn-lt"/>
-                <a:ea typeface="+mn-ea"/>
-                <a:cs typeface="+mn-cs"/>
-              </a:defRPr>
-            </a:lvl3pPr>
-            <a:lvl4pPr marL="1600200" indent="-228600" algn="l" defTabSz="457200" rtl="0" eaLnBrk="1" latinLnBrk="0" hangingPunct="1">
-              <a:spcBef>
-                <a:spcPts val="1000"/>
-              </a:spcBef>
-              <a:spcAft>
-                <a:spcPts val="0"/>
-              </a:spcAft>
-              <a:buClr>
-                <a:schemeClr val="accent1"/>
-              </a:buClr>
-              <a:buSzPct val="80000"/>
-              <a:buFont typeface="Wingdings 3" charset="2"/>
-              <a:buChar char=""/>
-              <a:defRPr sz="1200" b="0" i="0" kern="1200">
-                <a:solidFill>
-                  <a:schemeClr val="tx1">
-                    <a:lumMod val="75000"/>
-                    <a:lumOff val="25000"/>
-                  </a:schemeClr>
-                </a:solidFill>
-                <a:latin typeface="+mn-lt"/>
-                <a:ea typeface="+mn-ea"/>
-                <a:cs typeface="+mn-cs"/>
-              </a:defRPr>
-            </a:lvl4pPr>
-            <a:lvl5pPr marL="2057400" indent="-228600" algn="l" defTabSz="457200" rtl="0" eaLnBrk="1" latinLnBrk="0" hangingPunct="1">
-              <a:spcBef>
-                <a:spcPts val="1000"/>
-              </a:spcBef>
-              <a:spcAft>
-                <a:spcPts val="0"/>
-              </a:spcAft>
-              <a:buClr>
-                <a:schemeClr val="accent1"/>
-              </a:buClr>
-              <a:buSzPct val="80000"/>
-              <a:buFont typeface="Wingdings 3" charset="2"/>
-              <a:buChar char=""/>
-              <a:defRPr sz="1200" b="0" i="0" kern="1200">
-                <a:solidFill>
-                  <a:schemeClr val="tx1">
-                    <a:lumMod val="75000"/>
-                    <a:lumOff val="25000"/>
-                  </a:schemeClr>
-                </a:solidFill>
-                <a:latin typeface="+mn-lt"/>
-                <a:ea typeface="+mn-ea"/>
-                <a:cs typeface="+mn-cs"/>
-              </a:defRPr>
-            </a:lvl5pPr>
-            <a:lvl6pPr marL="2514600" indent="-228600" algn="l" defTabSz="457200" rtl="0" eaLnBrk="1" latinLnBrk="0" hangingPunct="1">
-              <a:spcBef>
-                <a:spcPts val="1000"/>
-              </a:spcBef>
-              <a:spcAft>
-                <a:spcPts val="0"/>
-              </a:spcAft>
-              <a:buClr>
-                <a:schemeClr val="accent1"/>
-              </a:buClr>
-              <a:buSzPct val="80000"/>
-              <a:buFont typeface="Wingdings 3" charset="2"/>
-              <a:buChar char=""/>
-              <a:defRPr sz="1200" b="0" i="0" kern="1200">
-                <a:solidFill>
-                  <a:schemeClr val="tx1">
-                    <a:lumMod val="75000"/>
-                    <a:lumOff val="25000"/>
-                  </a:schemeClr>
-                </a:solidFill>
-                <a:latin typeface="+mn-lt"/>
-                <a:ea typeface="+mn-ea"/>
-                <a:cs typeface="+mn-cs"/>
-              </a:defRPr>
-            </a:lvl6pPr>
-            <a:lvl7pPr marL="2971800" indent="-228600" algn="l" defTabSz="457200" rtl="0" eaLnBrk="1" latinLnBrk="0" hangingPunct="1">
-              <a:spcBef>
-                <a:spcPts val="1000"/>
-              </a:spcBef>
-              <a:spcAft>
-                <a:spcPts val="0"/>
-              </a:spcAft>
-              <a:buClr>
-                <a:schemeClr val="accent1"/>
-              </a:buClr>
-              <a:buSzPct val="80000"/>
-              <a:buFont typeface="Wingdings 3" charset="2"/>
-              <a:buChar char=""/>
-              <a:defRPr sz="1200" b="0" i="0" kern="1200">
-                <a:solidFill>
-                  <a:schemeClr val="tx1">
-                    <a:lumMod val="75000"/>
-                    <a:lumOff val="25000"/>
-                  </a:schemeClr>
-                </a:solidFill>
-                <a:latin typeface="+mn-lt"/>
-                <a:ea typeface="+mn-ea"/>
-                <a:cs typeface="+mn-cs"/>
-              </a:defRPr>
-            </a:lvl7pPr>
-            <a:lvl8pPr marL="3429000" indent="-228600" algn="l" defTabSz="457200" rtl="0" eaLnBrk="1" latinLnBrk="0" hangingPunct="1">
-              <a:spcBef>
-                <a:spcPts val="1000"/>
-              </a:spcBef>
-              <a:spcAft>
-                <a:spcPts val="0"/>
-              </a:spcAft>
-              <a:buClr>
-                <a:schemeClr val="accent1"/>
-              </a:buClr>
-              <a:buSzPct val="80000"/>
-              <a:buFont typeface="Wingdings 3" charset="2"/>
-              <a:buChar char=""/>
-              <a:defRPr sz="1200" b="0" i="0" kern="1200">
-                <a:solidFill>
-                  <a:schemeClr val="tx1">
-                    <a:lumMod val="75000"/>
-                    <a:lumOff val="25000"/>
-                  </a:schemeClr>
-                </a:solidFill>
-                <a:latin typeface="+mn-lt"/>
-                <a:ea typeface="+mn-ea"/>
-                <a:cs typeface="+mn-cs"/>
-              </a:defRPr>
-            </a:lvl8pPr>
-            <a:lvl9pPr marL="3886200" indent="-228600" algn="l" defTabSz="457200" rtl="0" eaLnBrk="1" latinLnBrk="0" hangingPunct="1">
-              <a:spcBef>
-                <a:spcPts val="1000"/>
-              </a:spcBef>
-              <a:spcAft>
-                <a:spcPts val="0"/>
-              </a:spcAft>
-              <a:buClr>
-                <a:schemeClr val="accent1"/>
-              </a:buClr>
-              <a:buSzPct val="80000"/>
-              <a:buFont typeface="Wingdings 3" charset="2"/>
-              <a:buChar char=""/>
-              <a:defRPr sz="1200" b="0" i="0" kern="1200">
-                <a:solidFill>
-                  <a:schemeClr val="tx1">
-                    <a:lumMod val="75000"/>
-                    <a:lumOff val="25000"/>
-                  </a:schemeClr>
-                </a:solidFill>
-                <a:latin typeface="+mn-lt"/>
-                <a:ea typeface="+mn-ea"/>
-                <a:cs typeface="+mn-cs"/>
-              </a:defRPr>
-            </a:lvl9pPr>
-          </a:lstStyle>
-          <a:p>
-            <a:pPr>
-              <a:buFont typeface="Wingdings" panose="05000000000000000000" pitchFamily="2" charset="2"/>
-              <a:buChar char="Ø"/>
-            </a:pPr>
-            <a:r>
-              <a:rPr lang="sr-Latn-RS" dirty="0">
-                <a:solidFill>
-                  <a:schemeClr val="tx1"/>
-                </a:solidFill>
-                <a:latin typeface="Calibri" panose="020F0502020204030204" pitchFamily="34" charset="0"/>
-                <a:ea typeface="Times New Roman" panose="02020603050405020304" pitchFamily="18" charset="0"/>
-                <a:cs typeface="Arial" panose="020B0604020202020204" pitchFamily="34" charset="0"/>
-              </a:rPr>
-              <a:t>Free trail mesec dana</a:t>
-            </a:r>
-          </a:p>
-          <a:p>
-            <a:pPr>
-              <a:buFont typeface="Wingdings" panose="05000000000000000000" pitchFamily="2" charset="2"/>
-              <a:buChar char="Ø"/>
-            </a:pPr>
-            <a:r>
-              <a:rPr lang="sr-Latn-RS" dirty="0">
-                <a:solidFill>
-                  <a:schemeClr val="tx1"/>
-                </a:solidFill>
-                <a:latin typeface="Calibri" panose="020F0502020204030204" pitchFamily="34" charset="0"/>
-                <a:ea typeface="Times New Roman" panose="02020603050405020304" pitchFamily="18" charset="0"/>
-                <a:cs typeface="Arial" panose="020B0604020202020204" pitchFamily="34" charset="0"/>
-              </a:rPr>
-              <a:t>Pay as you go</a:t>
-            </a:r>
-          </a:p>
-        </p:txBody>
-      </p:sp>
-    </p:spTree>
-    <p:extLst>
-      <p:ext uri="{BB962C8B-B14F-4D97-AF65-F5344CB8AC3E}">
-        <p14:creationId xmlns:p14="http://schemas.microsoft.com/office/powerpoint/2010/main" val="381556631"/>
-      </p:ext>
-    </p:extLst>
-  </p:cSld>
-  <p:clrMapOvr>
-    <a:masterClrMapping/>
-  </p:clrMapOvr>
-</p:sld>
-</file>
-
-<file path=ppt/slides/slide21.xml><?xml version="1.0" encoding="utf-8"?>
-<p:sld xmlns:a="http://schemas.openxmlformats.org/drawingml/2006/main" xmlns:r="http://schemas.openxmlformats.org/officeDocument/2006/relationships" xmlns:p="http://schemas.openxmlformats.org/presentationml/2006/main">
-  <p:cSld>
-    <p:spTree>
-      <p:nvGrpSpPr>
-        <p:cNvPr id="1" name=""/>
-        <p:cNvGrpSpPr/>
-        <p:nvPr/>
-      </p:nvGrpSpPr>
-      <p:grpSpPr>
-        <a:xfrm>
-          <a:off x="0" y="0"/>
-          <a:ext cx="0" cy="0"/>
-          <a:chOff x="0" y="0"/>
-          <a:chExt cx="0" cy="0"/>
-        </a:xfrm>
-      </p:grpSpPr>
-      <p:sp>
-        <p:nvSpPr>
-          <p:cNvPr id="2" name="Title 1">
-            <a:extLst>
-              <a:ext uri="{FF2B5EF4-FFF2-40B4-BE49-F238E27FC236}">
-                <a16:creationId xmlns:a16="http://schemas.microsoft.com/office/drawing/2014/main" id="{68AC12A3-5E0B-471D-8985-91B9BB4DF8AE}"/>
-              </a:ext>
-            </a:extLst>
-          </p:cNvPr>
-          <p:cNvSpPr>
-            <a:spLocks noGrp="1"/>
-          </p:cNvSpPr>
-          <p:nvPr>
-            <p:ph type="title"/>
-          </p:nvPr>
-        </p:nvSpPr>
-        <p:spPr/>
-        <p:txBody>
-          <a:bodyPr/>
-          <a:lstStyle/>
-          <a:p>
-            <a:r>
-              <a:rPr lang="sr-Latn-RS" dirty="0"/>
-              <a:t>Sažetak</a:t>
-            </a:r>
-            <a:endParaRPr lang="en-US" dirty="0"/>
-          </a:p>
-        </p:txBody>
-      </p:sp>
-      <p:sp>
-        <p:nvSpPr>
-          <p:cNvPr id="3" name="Text Placeholder 2">
-            <a:extLst>
-              <a:ext uri="{FF2B5EF4-FFF2-40B4-BE49-F238E27FC236}">
-                <a16:creationId xmlns:a16="http://schemas.microsoft.com/office/drawing/2014/main" id="{B3003587-744A-4934-B064-663DA7B79102}"/>
-              </a:ext>
-            </a:extLst>
-          </p:cNvPr>
-          <p:cNvSpPr>
-            <a:spLocks noGrp="1"/>
-          </p:cNvSpPr>
-          <p:nvPr>
-            <p:ph type="body" idx="1"/>
-          </p:nvPr>
-        </p:nvSpPr>
-        <p:spPr/>
-        <p:txBody>
-          <a:bodyPr/>
-          <a:lstStyle/>
-          <a:p>
-            <a:endParaRPr lang="en-US"/>
-          </a:p>
-        </p:txBody>
-      </p:sp>
-    </p:spTree>
-    <p:extLst>
-      <p:ext uri="{BB962C8B-B14F-4D97-AF65-F5344CB8AC3E}">
-        <p14:creationId xmlns:p14="http://schemas.microsoft.com/office/powerpoint/2010/main" val="3704287756"/>
-      </p:ext>
-    </p:extLst>
-  </p:cSld>
-  <p:clrMapOvr>
-    <a:masterClrMapping/>
-  </p:clrMapOvr>
-</p:sld>
-</file>
-
-<file path=ppt/slides/slide22.xml><?xml version="1.0" encoding="utf-8"?>
-<p:sld xmlns:a="http://schemas.openxmlformats.org/drawingml/2006/main" xmlns:r="http://schemas.openxmlformats.org/officeDocument/2006/relationships" xmlns:p="http://schemas.openxmlformats.org/presentationml/2006/main">
-  <p:cSld>
-    <p:spTree>
-      <p:nvGrpSpPr>
-        <p:cNvPr id="1" name=""/>
-        <p:cNvGrpSpPr/>
-        <p:nvPr/>
-      </p:nvGrpSpPr>
-      <p:grpSpPr>
-        <a:xfrm>
-          <a:off x="0" y="0"/>
-          <a:ext cx="0" cy="0"/>
-          <a:chOff x="0" y="0"/>
-          <a:chExt cx="0" cy="0"/>
-        </a:xfrm>
-      </p:grpSpPr>
-      <p:sp>
-        <p:nvSpPr>
-          <p:cNvPr id="2" name="Title 1">
-            <a:extLst>
-              <a:ext uri="{FF2B5EF4-FFF2-40B4-BE49-F238E27FC236}">
-                <a16:creationId xmlns:a16="http://schemas.microsoft.com/office/drawing/2014/main" id="{D7EBF29A-AFFA-4DBD-B517-CD44ADCA9692}"/>
-              </a:ext>
-            </a:extLst>
-          </p:cNvPr>
-          <p:cNvSpPr>
-            <a:spLocks noGrp="1"/>
-          </p:cNvSpPr>
-          <p:nvPr>
-            <p:ph type="title"/>
-          </p:nvPr>
-        </p:nvSpPr>
-        <p:spPr/>
-        <p:txBody>
-          <a:bodyPr/>
-          <a:lstStyle/>
-          <a:p>
-            <a:pPr algn="ctr"/>
-            <a:endParaRPr lang="en-US" dirty="0"/>
-          </a:p>
-        </p:txBody>
-      </p:sp>
-      <p:sp>
-        <p:nvSpPr>
-          <p:cNvPr id="7" name="Content Placeholder 6">
-            <a:extLst>
-              <a:ext uri="{FF2B5EF4-FFF2-40B4-BE49-F238E27FC236}">
-                <a16:creationId xmlns:a16="http://schemas.microsoft.com/office/drawing/2014/main" id="{A676B073-6B0C-452D-8EC1-15DC6CF07B41}"/>
-              </a:ext>
-            </a:extLst>
-          </p:cNvPr>
-          <p:cNvSpPr>
-            <a:spLocks noGrp="1"/>
-          </p:cNvSpPr>
-          <p:nvPr>
-            <p:ph idx="1"/>
-          </p:nvPr>
-        </p:nvSpPr>
-        <p:spPr/>
-        <p:txBody>
-          <a:bodyPr/>
-          <a:lstStyle/>
-          <a:p>
-            <a:r>
-              <a:rPr lang="sr-Latn-RS" dirty="0"/>
-              <a:t>Unity networking, SpatialOS i Photon pružaju neverovatno lakoću i pouzdanost u kreiranju multiplayer igara. Pogodni za male timove.</a:t>
-            </a:r>
-          </a:p>
-          <a:p>
-            <a:r>
-              <a:rPr lang="sr-Latn-RS" dirty="0"/>
-              <a:t>Loadbalancing i </a:t>
-            </a:r>
-            <a:r>
-              <a:rPr lang="en-US" b="0" i="0" dirty="0">
-                <a:solidFill>
-                  <a:srgbClr val="333333"/>
-                </a:solidFill>
-                <a:effectLst/>
-              </a:rPr>
-              <a:t>pay-as-you-go</a:t>
-            </a:r>
-            <a:r>
-              <a:rPr lang="sr-Latn-RS" b="0" i="0" dirty="0">
-                <a:solidFill>
-                  <a:srgbClr val="333333"/>
-                </a:solidFill>
-                <a:effectLst/>
-              </a:rPr>
-              <a:t> su od krucialnog značaja za male studije koji zele da dosegnu što veću publiku uz malo novčanih sredstava.</a:t>
-            </a:r>
-          </a:p>
-          <a:p>
-            <a:r>
-              <a:rPr lang="sr-Latn-RS" dirty="0">
-                <a:solidFill>
-                  <a:srgbClr val="333333"/>
-                </a:solidFill>
-              </a:rPr>
-              <a:t>Unity kao engine postaje sve zastupljeniji i pouzdaniji. Unity zajednica je najrazvijenija u odnosu na ostala resenja, na sta ukazuju brojni tutoriali na internetu.</a:t>
-            </a:r>
-            <a:endParaRPr lang="en-US" dirty="0"/>
-          </a:p>
-        </p:txBody>
-      </p:sp>
-    </p:spTree>
-    <p:extLst>
-      <p:ext uri="{BB962C8B-B14F-4D97-AF65-F5344CB8AC3E}">
-        <p14:creationId xmlns:p14="http://schemas.microsoft.com/office/powerpoint/2010/main" val="3278037968"/>
-      </p:ext>
-    </p:extLst>
-  </p:cSld>
-  <p:clrMapOvr>
-    <a:masterClrMapping/>
-  </p:clrMapOvr>
-</p:sld>
-</file>
-
-<file path=ppt/slides/slide3.xml><?xml version="1.0" encoding="utf-8"?>
+<file path=ppt/slides/slide4.xml><?xml version="1.0" encoding="utf-8"?>
 <p:sld xmlns:a="http://schemas.openxmlformats.org/drawingml/2006/main" xmlns:r="http://schemas.openxmlformats.org/officeDocument/2006/relationships" xmlns:p="http://schemas.openxmlformats.org/presentationml/2006/main">
   <p:cSld>
     <p:spTree>
@@ -16483,7 +17287,7 @@
           <a:bodyPr/>
           <a:lstStyle/>
           <a:p>
-            <a:endParaRPr lang="en-US"/>
+            <a:endParaRPr lang="en-US" dirty="0"/>
           </a:p>
         </p:txBody>
       </p:sp>
@@ -16503,7 +17307,7 @@
             <p:ph idx="1"/>
             <p:extLst>
               <p:ext uri="{D42A27DB-BD31-4B8C-83A1-F6EECF244321}">
-                <p14:modId xmlns:p14="http://schemas.microsoft.com/office/powerpoint/2010/main" val="1903474850"/>
+                <p14:modId xmlns:p14="http://schemas.microsoft.com/office/powerpoint/2010/main" val="2800645647"/>
               </p:ext>
             </p:extLst>
           </p:nvPr>
@@ -16877,8 +17681,19 @@
                         <a:defRPr/>
                       </a:pPr>
                       <a:r>
-                        <a:rPr lang="en-US" sz="1400" dirty="0">
+                        <a:rPr kumimoji="0" lang="sr-Latn-RS" sz="1400" b="0" i="0" u="none" strike="noStrike" kern="1200" cap="none" spc="0" normalizeH="0" baseline="0" noProof="0" dirty="0">
+                          <a:ln>
+                            <a:noFill/>
+                          </a:ln>
+                          <a:solidFill>
+                            <a:prstClr val="black"/>
+                          </a:solidFill>
                           <a:effectLst/>
+                          <a:uLnTx/>
+                          <a:uFillTx/>
+                          <a:latin typeface="+mn-lt"/>
+                          <a:ea typeface="+mn-ea"/>
+                          <a:cs typeface="+mn-cs"/>
                         </a:rPr>
                         <a:t>X</a:t>
                       </a:r>
@@ -18376,7 +19191,7 @@
 </p:sld>
 </file>
 
-<file path=ppt/slides/slide4.xml><?xml version="1.0" encoding="utf-8"?>
+<file path=ppt/slides/slide5.xml><?xml version="1.0" encoding="utf-8"?>
 <p:sld xmlns:a="http://schemas.openxmlformats.org/drawingml/2006/main" xmlns:r="http://schemas.openxmlformats.org/officeDocument/2006/relationships" xmlns:p="http://schemas.openxmlformats.org/presentationml/2006/main">
   <p:cSld>
     <p:spTree>
@@ -18430,97 +19245,12 @@
           </a:p>
         </p:txBody>
       </p:sp>
-      <p:sp>
-        <p:nvSpPr>
-          <p:cNvPr id="3" name="Text Placeholder 2">
+      <p:pic>
+        <p:nvPicPr>
+          <p:cNvPr id="4" name="Picture 2">
             <a:extLst>
               <a:ext uri="{FF2B5EF4-FFF2-40B4-BE49-F238E27FC236}">
-                <a16:creationId xmlns:a16="http://schemas.microsoft.com/office/drawing/2014/main" id="{286D1082-299D-40CC-A9BA-B5B07C6A088A}"/>
-              </a:ext>
-            </a:extLst>
-          </p:cNvPr>
-          <p:cNvSpPr>
-            <a:spLocks noGrp="1"/>
-          </p:cNvSpPr>
-          <p:nvPr>
-            <p:ph type="body" idx="1"/>
-          </p:nvPr>
-        </p:nvSpPr>
-        <p:spPr/>
-        <p:txBody>
-          <a:bodyPr/>
-          <a:lstStyle/>
-          <a:p>
-            <a:endParaRPr lang="en-US"/>
-          </a:p>
-        </p:txBody>
-      </p:sp>
-    </p:spTree>
-    <p:extLst>
-      <p:ext uri="{BB962C8B-B14F-4D97-AF65-F5344CB8AC3E}">
-        <p14:creationId xmlns:p14="http://schemas.microsoft.com/office/powerpoint/2010/main" val="1415230887"/>
-      </p:ext>
-    </p:extLst>
-  </p:cSld>
-  <p:clrMapOvr>
-    <a:masterClrMapping/>
-  </p:clrMapOvr>
-</p:sld>
-</file>
-
-<file path=ppt/slides/slide5.xml><?xml version="1.0" encoding="utf-8"?>
-<p:sld xmlns:a="http://schemas.openxmlformats.org/drawingml/2006/main" xmlns:r="http://schemas.openxmlformats.org/officeDocument/2006/relationships" xmlns:p="http://schemas.openxmlformats.org/presentationml/2006/main">
-  <p:cSld>
-    <p:spTree>
-      <p:nvGrpSpPr>
-        <p:cNvPr id="1" name=""/>
-        <p:cNvGrpSpPr/>
-        <p:nvPr/>
-      </p:nvGrpSpPr>
-      <p:grpSpPr>
-        <a:xfrm>
-          <a:off x="0" y="0"/>
-          <a:ext cx="0" cy="0"/>
-          <a:chOff x="0" y="0"/>
-          <a:chExt cx="0" cy="0"/>
-        </a:xfrm>
-      </p:grpSpPr>
-      <p:sp>
-        <p:nvSpPr>
-          <p:cNvPr id="2" name="Title 1">
-            <a:extLst>
-              <a:ext uri="{FF2B5EF4-FFF2-40B4-BE49-F238E27FC236}">
-                <a16:creationId xmlns:a16="http://schemas.microsoft.com/office/drawing/2014/main" id="{51AFFD43-3DCF-443A-8B80-BD3D0CE6B138}"/>
-              </a:ext>
-            </a:extLst>
-          </p:cNvPr>
-          <p:cNvSpPr>
-            <a:spLocks noGrp="1"/>
-          </p:cNvSpPr>
-          <p:nvPr>
-            <p:ph type="title"/>
-          </p:nvPr>
-        </p:nvSpPr>
-        <p:spPr/>
-        <p:txBody>
-          <a:bodyPr/>
-          <a:lstStyle/>
-          <a:p>
-            <a:pPr algn="ctr"/>
-            <a:r>
-              <a:rPr lang="sr-Latn-RS" dirty="0"/>
-              <a:t>Izrada aseta za igru</a:t>
-            </a:r>
-            <a:endParaRPr lang="en-US" dirty="0"/>
-          </a:p>
-        </p:txBody>
-      </p:sp>
-      <p:pic>
-        <p:nvPicPr>
-          <p:cNvPr id="3074" name="Picture 2">
-            <a:extLst>
-              <a:ext uri="{FF2B5EF4-FFF2-40B4-BE49-F238E27FC236}">
-                <a16:creationId xmlns:a16="http://schemas.microsoft.com/office/drawing/2014/main" id="{83325FFF-73B3-448C-ADD8-9ADB57D6011A}"/>
+                <a16:creationId xmlns:a16="http://schemas.microsoft.com/office/drawing/2014/main" id="{F1D81B11-EFF3-4699-93E0-B1AA1886FE1E}"/>
               </a:ext>
             </a:extLst>
           </p:cNvPr>
@@ -18544,8 +19274,8 @@
         </p:blipFill>
         <p:spPr bwMode="auto">
           <a:xfrm>
-            <a:off x="3214687" y="2632355"/>
-            <a:ext cx="5762625" cy="3562350"/>
+            <a:off x="7342625" y="1535733"/>
+            <a:ext cx="3694421" cy="2283824"/>
           </a:xfrm>
           <a:prstGeom prst="rect">
             <a:avLst/>
@@ -18575,72 +19305,12 @@
           </a:extLst>
         </p:spPr>
       </p:pic>
-    </p:spTree>
-    <p:extLst>
-      <p:ext uri="{BB962C8B-B14F-4D97-AF65-F5344CB8AC3E}">
-        <p14:creationId xmlns:p14="http://schemas.microsoft.com/office/powerpoint/2010/main" val="3304866803"/>
-      </p:ext>
-    </p:extLst>
-  </p:cSld>
-  <p:clrMapOvr>
-    <a:masterClrMapping/>
-  </p:clrMapOvr>
-</p:sld>
-</file>
-
-<file path=ppt/slides/slide6.xml><?xml version="1.0" encoding="utf-8"?>
-<p:sld xmlns:a="http://schemas.openxmlformats.org/drawingml/2006/main" xmlns:r="http://schemas.openxmlformats.org/officeDocument/2006/relationships" xmlns:p="http://schemas.openxmlformats.org/presentationml/2006/main">
-  <p:cSld>
-    <p:spTree>
-      <p:nvGrpSpPr>
-        <p:cNvPr id="1" name=""/>
-        <p:cNvGrpSpPr/>
-        <p:nvPr/>
-      </p:nvGrpSpPr>
-      <p:grpSpPr>
-        <a:xfrm>
-          <a:off x="0" y="0"/>
-          <a:ext cx="0" cy="0"/>
-          <a:chOff x="0" y="0"/>
-          <a:chExt cx="0" cy="0"/>
-        </a:xfrm>
-      </p:grpSpPr>
-      <p:sp>
-        <p:nvSpPr>
-          <p:cNvPr id="2" name="Title 1">
+      <p:pic>
+        <p:nvPicPr>
+          <p:cNvPr id="5" name="Picture 2">
             <a:extLst>
               <a:ext uri="{FF2B5EF4-FFF2-40B4-BE49-F238E27FC236}">
-                <a16:creationId xmlns:a16="http://schemas.microsoft.com/office/drawing/2014/main" id="{E17FB2EE-F29C-4DB0-8DEC-17C1BACA6E6D}"/>
-              </a:ext>
-            </a:extLst>
-          </p:cNvPr>
-          <p:cNvSpPr>
-            <a:spLocks noGrp="1"/>
-          </p:cNvSpPr>
-          <p:nvPr>
-            <p:ph type="title"/>
-          </p:nvPr>
-        </p:nvSpPr>
-        <p:spPr/>
-        <p:txBody>
-          <a:bodyPr/>
-          <a:lstStyle/>
-          <a:p>
-            <a:pPr algn="ctr"/>
-            <a:r>
-              <a:rPr lang="sr-Latn-RS" dirty="0"/>
-              <a:t>Izrada aseta za glavni meni</a:t>
-            </a:r>
-            <a:endParaRPr lang="en-US" dirty="0"/>
-          </a:p>
-        </p:txBody>
-      </p:sp>
-      <p:pic>
-        <p:nvPicPr>
-          <p:cNvPr id="4098" name="Picture 2">
-            <a:extLst>
-              <a:ext uri="{FF2B5EF4-FFF2-40B4-BE49-F238E27FC236}">
-                <a16:creationId xmlns:a16="http://schemas.microsoft.com/office/drawing/2014/main" id="{9EDEACE3-2F0E-4CB4-BCFB-EF3CA36F0838}"/>
+                <a16:creationId xmlns:a16="http://schemas.microsoft.com/office/drawing/2014/main" id="{0C14CB75-1773-4F40-AF5D-DAA83B434891}"/>
               </a:ext>
             </a:extLst>
           </p:cNvPr>
@@ -18650,7 +19320,7 @@
           <p:nvPr/>
         </p:nvPicPr>
         <p:blipFill>
-          <a:blip r:embed="rId2">
+          <a:blip r:embed="rId3">
             <a:extLst>
               <a:ext uri="{28A0092B-C50C-407E-A947-70E740481C1C}">
                 <a14:useLocalDpi xmlns:a14="http://schemas.microsoft.com/office/drawing/2010/main" val="0"/>
@@ -18664,7 +19334,7 @@
         </p:blipFill>
         <p:spPr bwMode="auto">
           <a:xfrm>
-            <a:off x="7646829" y="4063579"/>
+            <a:off x="10017215" y="4369767"/>
             <a:ext cx="952500" cy="952500"/>
           </a:xfrm>
           <a:prstGeom prst="rect">
@@ -18697,10 +19367,10 @@
       </p:pic>
       <p:pic>
         <p:nvPicPr>
-          <p:cNvPr id="4099" name="Picture 3">
+          <p:cNvPr id="6" name="Picture 3">
             <a:extLst>
               <a:ext uri="{FF2B5EF4-FFF2-40B4-BE49-F238E27FC236}">
-                <a16:creationId xmlns:a16="http://schemas.microsoft.com/office/drawing/2014/main" id="{6B68B88F-3843-420B-9C1E-84386AD9B8AB}"/>
+                <a16:creationId xmlns:a16="http://schemas.microsoft.com/office/drawing/2014/main" id="{4FEEDCEA-1625-4164-88FB-3F26C466D6B6}"/>
               </a:ext>
             </a:extLst>
           </p:cNvPr>
@@ -18710,7 +19380,7 @@
           <p:nvPr/>
         </p:nvPicPr>
         <p:blipFill>
-          <a:blip r:embed="rId3">
+          <a:blip r:embed="rId4">
             <a:extLst>
               <a:ext uri="{28A0092B-C50C-407E-A947-70E740481C1C}">
                 <a14:useLocalDpi xmlns:a14="http://schemas.microsoft.com/office/drawing/2010/main" val="0"/>
@@ -18724,7 +19394,7 @@
         </p:blipFill>
         <p:spPr bwMode="auto">
           <a:xfrm>
-            <a:off x="2953236" y="4063579"/>
+            <a:off x="7342625" y="4369767"/>
             <a:ext cx="952500" cy="952500"/>
           </a:xfrm>
           <a:prstGeom prst="rect">
@@ -18757,10 +19427,10 @@
       </p:pic>
       <p:sp>
         <p:nvSpPr>
-          <p:cNvPr id="4" name="TextBox 3">
+          <p:cNvPr id="7" name="TextBox 6">
             <a:extLst>
               <a:ext uri="{FF2B5EF4-FFF2-40B4-BE49-F238E27FC236}">
-                <a16:creationId xmlns:a16="http://schemas.microsoft.com/office/drawing/2014/main" id="{3C87482C-ECAA-491E-9C6D-CE7C31485572}"/>
+                <a16:creationId xmlns:a16="http://schemas.microsoft.com/office/drawing/2014/main" id="{E642B620-0D5D-46C1-BBFF-4289DDDD8D00}"/>
               </a:ext>
             </a:extLst>
           </p:cNvPr>
@@ -18769,7 +19439,7 @@
         </p:nvSpPr>
         <p:spPr>
           <a:xfrm>
-            <a:off x="2953231" y="5192046"/>
+            <a:off x="7342620" y="5498234"/>
             <a:ext cx="817853" cy="369332"/>
           </a:xfrm>
           <a:prstGeom prst="rect">
@@ -18797,10 +19467,10 @@
       </p:sp>
       <p:sp>
         <p:nvSpPr>
-          <p:cNvPr id="5" name="TextBox 4">
+          <p:cNvPr id="8" name="TextBox 7">
             <a:extLst>
               <a:ext uri="{FF2B5EF4-FFF2-40B4-BE49-F238E27FC236}">
-                <a16:creationId xmlns:a16="http://schemas.microsoft.com/office/drawing/2014/main" id="{7943241F-E530-481A-B955-BDEEBC930E65}"/>
+                <a16:creationId xmlns:a16="http://schemas.microsoft.com/office/drawing/2014/main" id="{160DDC08-2D00-4AB1-BEC9-4348C3AAE650}"/>
               </a:ext>
             </a:extLst>
           </p:cNvPr>
@@ -18809,7 +19479,7 @@
         </p:nvSpPr>
         <p:spPr>
           <a:xfrm>
-            <a:off x="7646829" y="5376712"/>
+            <a:off x="10017215" y="5682900"/>
             <a:ext cx="1019831" cy="369332"/>
           </a:xfrm>
           <a:prstGeom prst="rect">
@@ -18834,7 +19504,7 @@
     </p:spTree>
     <p:extLst>
       <p:ext uri="{BB962C8B-B14F-4D97-AF65-F5344CB8AC3E}">
-        <p14:creationId xmlns:p14="http://schemas.microsoft.com/office/powerpoint/2010/main" val="422081922"/>
+        <p14:creationId xmlns:p14="http://schemas.microsoft.com/office/powerpoint/2010/main" val="1415230887"/>
       </p:ext>
     </p:extLst>
   </p:cSld>
@@ -18844,7 +19514,7 @@
 </p:sld>
 </file>
 
-<file path=ppt/slides/slide7.xml><?xml version="1.0" encoding="utf-8"?>
+<file path=ppt/slides/slide6.xml><?xml version="1.0" encoding="utf-8"?>
 <p:sld xmlns:a="http://schemas.openxmlformats.org/drawingml/2006/main" xmlns:r="http://schemas.openxmlformats.org/officeDocument/2006/relationships" xmlns:p="http://schemas.openxmlformats.org/presentationml/2006/main">
   <p:cSld>
     <p:spTree>
@@ -18884,91 +19554,6 @@
           <a:p>
             <a:r>
               <a:rPr lang="sr-Latn-RS" dirty="0"/>
-              <a:t>Izrada menija</a:t>
-            </a:r>
-            <a:endParaRPr lang="en-US" dirty="0"/>
-          </a:p>
-        </p:txBody>
-      </p:sp>
-      <p:sp>
-        <p:nvSpPr>
-          <p:cNvPr id="3" name="Text Placeholder 2">
-            <a:extLst>
-              <a:ext uri="{FF2B5EF4-FFF2-40B4-BE49-F238E27FC236}">
-                <a16:creationId xmlns:a16="http://schemas.microsoft.com/office/drawing/2014/main" id="{AD37323D-F5EC-46ED-B720-F25E0A66FFD3}"/>
-              </a:ext>
-            </a:extLst>
-          </p:cNvPr>
-          <p:cNvSpPr>
-            <a:spLocks noGrp="1"/>
-          </p:cNvSpPr>
-          <p:nvPr>
-            <p:ph type="body" idx="1"/>
-          </p:nvPr>
-        </p:nvSpPr>
-        <p:spPr/>
-        <p:txBody>
-          <a:bodyPr/>
-          <a:lstStyle/>
-          <a:p>
-            <a:endParaRPr lang="en-US" dirty="0"/>
-          </a:p>
-        </p:txBody>
-      </p:sp>
-    </p:spTree>
-    <p:extLst>
-      <p:ext uri="{BB962C8B-B14F-4D97-AF65-F5344CB8AC3E}">
-        <p14:creationId xmlns:p14="http://schemas.microsoft.com/office/powerpoint/2010/main" val="2956500150"/>
-      </p:ext>
-    </p:extLst>
-  </p:cSld>
-  <p:clrMapOvr>
-    <a:masterClrMapping/>
-  </p:clrMapOvr>
-</p:sld>
-</file>
-
-<file path=ppt/slides/slide8.xml><?xml version="1.0" encoding="utf-8"?>
-<p:sld xmlns:a="http://schemas.openxmlformats.org/drawingml/2006/main" xmlns:r="http://schemas.openxmlformats.org/officeDocument/2006/relationships" xmlns:p="http://schemas.openxmlformats.org/presentationml/2006/main">
-  <p:cSld>
-    <p:spTree>
-      <p:nvGrpSpPr>
-        <p:cNvPr id="1" name=""/>
-        <p:cNvGrpSpPr/>
-        <p:nvPr/>
-      </p:nvGrpSpPr>
-      <p:grpSpPr>
-        <a:xfrm>
-          <a:off x="0" y="0"/>
-          <a:ext cx="0" cy="0"/>
-          <a:chOff x="0" y="0"/>
-          <a:chExt cx="0" cy="0"/>
-        </a:xfrm>
-      </p:grpSpPr>
-      <p:sp>
-        <p:nvSpPr>
-          <p:cNvPr id="2" name="Title 1">
-            <a:extLst>
-              <a:ext uri="{FF2B5EF4-FFF2-40B4-BE49-F238E27FC236}">
-                <a16:creationId xmlns:a16="http://schemas.microsoft.com/office/drawing/2014/main" id="{E4AEDF15-DB85-4BF3-B12E-A187DE16D76C}"/>
-              </a:ext>
-            </a:extLst>
-          </p:cNvPr>
-          <p:cNvSpPr>
-            <a:spLocks noGrp="1"/>
-          </p:cNvSpPr>
-          <p:nvPr>
-            <p:ph type="title"/>
-          </p:nvPr>
-        </p:nvSpPr>
-        <p:spPr/>
-        <p:txBody>
-          <a:bodyPr/>
-          <a:lstStyle/>
-          <a:p>
-            <a:pPr algn="ctr"/>
-            <a:r>
-              <a:rPr lang="sr-Latn-RS" dirty="0"/>
               <a:t>Glavni meni</a:t>
             </a:r>
             <a:endParaRPr lang="en-US" dirty="0"/>
@@ -18977,10 +19562,10 @@
       </p:sp>
       <p:pic>
         <p:nvPicPr>
-          <p:cNvPr id="5122" name="Picture 2">
+          <p:cNvPr id="5" name="Picture 2">
             <a:extLst>
               <a:ext uri="{FF2B5EF4-FFF2-40B4-BE49-F238E27FC236}">
-                <a16:creationId xmlns:a16="http://schemas.microsoft.com/office/drawing/2014/main" id="{5603B577-306C-436A-A975-BE085B5B8810}"/>
+                <a16:creationId xmlns:a16="http://schemas.microsoft.com/office/drawing/2014/main" id="{E027E08A-498B-47A7-99A4-822C4D8C47A5}"/>
               </a:ext>
             </a:extLst>
           </p:cNvPr>
@@ -19004,8 +19589,8 @@
         </p:blipFill>
         <p:spPr bwMode="auto">
           <a:xfrm>
-            <a:off x="3214687" y="2906007"/>
-            <a:ext cx="5762625" cy="3609975"/>
+            <a:off x="6774910" y="1934246"/>
+            <a:ext cx="4772170" cy="2989508"/>
           </a:xfrm>
           <a:prstGeom prst="rect">
             <a:avLst/>
@@ -19038,7 +19623,7 @@
     </p:spTree>
     <p:extLst>
       <p:ext uri="{BB962C8B-B14F-4D97-AF65-F5344CB8AC3E}">
-        <p14:creationId xmlns:p14="http://schemas.microsoft.com/office/powerpoint/2010/main" val="2571004904"/>
+        <p14:creationId xmlns:p14="http://schemas.microsoft.com/office/powerpoint/2010/main" val="2956500150"/>
       </p:ext>
     </p:extLst>
   </p:cSld>
@@ -19048,7 +19633,7 @@
 </p:sld>
 </file>
 
-<file path=ppt/slides/slide9.xml><?xml version="1.0" encoding="utf-8"?>
+<file path=ppt/slides/slide7.xml><?xml version="1.0" encoding="utf-8"?>
 <p:sld xmlns:a="http://schemas.openxmlformats.org/drawingml/2006/main" xmlns:r="http://schemas.openxmlformats.org/officeDocument/2006/relationships" xmlns:p="http://schemas.openxmlformats.org/presentationml/2006/main">
   <p:cSld>
     <p:spTree>
@@ -19159,6 +19744,221 @@
     <p:extLst>
       <p:ext uri="{BB962C8B-B14F-4D97-AF65-F5344CB8AC3E}">
         <p14:creationId xmlns:p14="http://schemas.microsoft.com/office/powerpoint/2010/main" val="2142324460"/>
+      </p:ext>
+    </p:extLst>
+  </p:cSld>
+  <p:clrMapOvr>
+    <a:masterClrMapping/>
+  </p:clrMapOvr>
+</p:sld>
+</file>
+
+<file path=ppt/slides/slide8.xml><?xml version="1.0" encoding="utf-8"?>
+<p:sld xmlns:a="http://schemas.openxmlformats.org/drawingml/2006/main" xmlns:r="http://schemas.openxmlformats.org/officeDocument/2006/relationships" xmlns:p="http://schemas.openxmlformats.org/presentationml/2006/main">
+  <p:cSld>
+    <p:spTree>
+      <p:nvGrpSpPr>
+        <p:cNvPr id="1" name=""/>
+        <p:cNvGrpSpPr/>
+        <p:nvPr/>
+      </p:nvGrpSpPr>
+      <p:grpSpPr>
+        <a:xfrm>
+          <a:off x="0" y="0"/>
+          <a:ext cx="0" cy="0"/>
+          <a:chOff x="0" y="0"/>
+          <a:chExt cx="0" cy="0"/>
+        </a:xfrm>
+      </p:grpSpPr>
+      <p:sp>
+        <p:nvSpPr>
+          <p:cNvPr id="2" name="Title 1">
+            <a:extLst>
+              <a:ext uri="{FF2B5EF4-FFF2-40B4-BE49-F238E27FC236}">
+                <a16:creationId xmlns:a16="http://schemas.microsoft.com/office/drawing/2014/main" id="{FC4B7835-A88A-47FD-BB50-583C7C6D2616}"/>
+              </a:ext>
+            </a:extLst>
+          </p:cNvPr>
+          <p:cNvSpPr>
+            <a:spLocks noGrp="1"/>
+          </p:cNvSpPr>
+          <p:nvPr>
+            <p:ph type="title"/>
+          </p:nvPr>
+        </p:nvSpPr>
+        <p:spPr/>
+        <p:txBody>
+          <a:bodyPr/>
+          <a:lstStyle/>
+          <a:p>
+            <a:pPr algn="ctr"/>
+            <a:r>
+              <a:rPr lang="sr-Latn-RS" dirty="0"/>
+              <a:t>Panel sa serverima</a:t>
+            </a:r>
+            <a:endParaRPr lang="en-US" dirty="0"/>
+          </a:p>
+        </p:txBody>
+      </p:sp>
+      <p:pic>
+        <p:nvPicPr>
+          <p:cNvPr id="5" name="Picture 4">
+            <a:extLst>
+              <a:ext uri="{FF2B5EF4-FFF2-40B4-BE49-F238E27FC236}">
+                <a16:creationId xmlns:a16="http://schemas.microsoft.com/office/drawing/2014/main" id="{FF444E14-7DC1-4A25-AC2F-E26F0519F3AA}"/>
+              </a:ext>
+            </a:extLst>
+          </p:cNvPr>
+          <p:cNvPicPr>
+            <a:picLocks noChangeAspect="1"/>
+          </p:cNvPicPr>
+          <p:nvPr/>
+        </p:nvPicPr>
+        <p:blipFill rotWithShape="1">
+          <a:blip r:embed="rId2">
+            <a:extLst>
+              <a:ext uri="{28A0092B-C50C-407E-A947-70E740481C1C}">
+                <a14:useLocalDpi xmlns:a14="http://schemas.microsoft.com/office/drawing/2010/main" val="0"/>
+              </a:ext>
+            </a:extLst>
+          </a:blip>
+          <a:srcRect l="21521" t="13375" r="22704" b="8348"/>
+          <a:stretch/>
+        </p:blipFill>
+        <p:spPr>
+          <a:xfrm>
+            <a:off x="3951112" y="2291644"/>
+            <a:ext cx="4255910" cy="4481689"/>
+          </a:xfrm>
+          <a:prstGeom prst="rect">
+            <a:avLst/>
+          </a:prstGeom>
+        </p:spPr>
+      </p:pic>
+    </p:spTree>
+    <p:extLst>
+      <p:ext uri="{BB962C8B-B14F-4D97-AF65-F5344CB8AC3E}">
+        <p14:creationId xmlns:p14="http://schemas.microsoft.com/office/powerpoint/2010/main" val="2364928192"/>
+      </p:ext>
+    </p:extLst>
+  </p:cSld>
+  <p:clrMapOvr>
+    <a:masterClrMapping/>
+  </p:clrMapOvr>
+</p:sld>
+</file>
+
+<file path=ppt/slides/slide9.xml><?xml version="1.0" encoding="utf-8"?>
+<p:sld xmlns:a="http://schemas.openxmlformats.org/drawingml/2006/main" xmlns:r="http://schemas.openxmlformats.org/officeDocument/2006/relationships" xmlns:p="http://schemas.openxmlformats.org/presentationml/2006/main">
+  <p:cSld>
+    <p:spTree>
+      <p:nvGrpSpPr>
+        <p:cNvPr id="1" name=""/>
+        <p:cNvGrpSpPr/>
+        <p:nvPr/>
+      </p:nvGrpSpPr>
+      <p:grpSpPr>
+        <a:xfrm>
+          <a:off x="0" y="0"/>
+          <a:ext cx="0" cy="0"/>
+          <a:chOff x="0" y="0"/>
+          <a:chExt cx="0" cy="0"/>
+        </a:xfrm>
+      </p:grpSpPr>
+      <p:sp>
+        <p:nvSpPr>
+          <p:cNvPr id="2" name="Title 1">
+            <a:extLst>
+              <a:ext uri="{FF2B5EF4-FFF2-40B4-BE49-F238E27FC236}">
+                <a16:creationId xmlns:a16="http://schemas.microsoft.com/office/drawing/2014/main" id="{A2AD2450-31B8-416F-92EF-B5E7436B889C}"/>
+              </a:ext>
+            </a:extLst>
+          </p:cNvPr>
+          <p:cNvSpPr>
+            <a:spLocks noGrp="1"/>
+          </p:cNvSpPr>
+          <p:nvPr>
+            <p:ph type="title"/>
+          </p:nvPr>
+        </p:nvSpPr>
+        <p:spPr/>
+        <p:txBody>
+          <a:bodyPr/>
+          <a:lstStyle/>
+          <a:p>
+            <a:r>
+              <a:rPr lang="sr-Latn-RS" dirty="0"/>
+              <a:t>Izrada igre</a:t>
+            </a:r>
+            <a:endParaRPr lang="en-US" dirty="0"/>
+          </a:p>
+        </p:txBody>
+      </p:sp>
+      <p:sp>
+        <p:nvSpPr>
+          <p:cNvPr id="3" name="Text Placeholder 2">
+            <a:extLst>
+              <a:ext uri="{FF2B5EF4-FFF2-40B4-BE49-F238E27FC236}">
+                <a16:creationId xmlns:a16="http://schemas.microsoft.com/office/drawing/2014/main" id="{9C3FD7E5-5E24-4489-82FB-73E66CD73A2F}"/>
+              </a:ext>
+            </a:extLst>
+          </p:cNvPr>
+          <p:cNvSpPr>
+            <a:spLocks noGrp="1"/>
+          </p:cNvSpPr>
+          <p:nvPr>
+            <p:ph type="body" idx="1"/>
+          </p:nvPr>
+        </p:nvSpPr>
+        <p:spPr/>
+        <p:txBody>
+          <a:bodyPr/>
+          <a:lstStyle/>
+          <a:p>
+            <a:endParaRPr lang="en-US"/>
+          </a:p>
+        </p:txBody>
+      </p:sp>
+      <p:pic>
+        <p:nvPicPr>
+          <p:cNvPr id="5" name="Picture 4">
+            <a:extLst>
+              <a:ext uri="{FF2B5EF4-FFF2-40B4-BE49-F238E27FC236}">
+                <a16:creationId xmlns:a16="http://schemas.microsoft.com/office/drawing/2014/main" id="{D0E063B3-241C-461E-BCCD-06037886A5DB}"/>
+              </a:ext>
+            </a:extLst>
+          </p:cNvPr>
+          <p:cNvPicPr>
+            <a:picLocks noChangeAspect="1"/>
+          </p:cNvPicPr>
+          <p:nvPr/>
+        </p:nvPicPr>
+        <p:blipFill>
+          <a:blip r:embed="rId2">
+            <a:extLst>
+              <a:ext uri="{28A0092B-C50C-407E-A947-70E740481C1C}">
+                <a14:useLocalDpi xmlns:a14="http://schemas.microsoft.com/office/drawing/2010/main" val="0"/>
+              </a:ext>
+            </a:extLst>
+          </a:blip>
+          <a:stretch>
+            <a:fillRect/>
+          </a:stretch>
+        </p:blipFill>
+        <p:spPr>
+          <a:xfrm>
+            <a:off x="6863941" y="2399009"/>
+            <a:ext cx="3820780" cy="2841093"/>
+          </a:xfrm>
+          <a:prstGeom prst="rect">
+            <a:avLst/>
+          </a:prstGeom>
+        </p:spPr>
+      </p:pic>
+    </p:spTree>
+    <p:extLst>
+      <p:ext uri="{BB962C8B-B14F-4D97-AF65-F5344CB8AC3E}">
+        <p14:creationId xmlns:p14="http://schemas.microsoft.com/office/powerpoint/2010/main" val="214985328"/>
       </p:ext>
     </p:extLst>
   </p:cSld>
